--- a/Slides/smt.pptx
+++ b/Slides/smt.pptx
@@ -6,24 +6,25 @@
   </p:sldMasterIdLst>
   <p:sldIdLst>
     <p:sldId id="257" r:id="rId2"/>
-    <p:sldId id="259" r:id="rId3"/>
-    <p:sldId id="256" r:id="rId4"/>
-    <p:sldId id="263" r:id="rId5"/>
-    <p:sldId id="258" r:id="rId6"/>
-    <p:sldId id="260" r:id="rId7"/>
-    <p:sldId id="261" r:id="rId8"/>
-    <p:sldId id="262" r:id="rId9"/>
-    <p:sldId id="265" r:id="rId10"/>
-    <p:sldId id="264" r:id="rId11"/>
-    <p:sldId id="266" r:id="rId12"/>
-    <p:sldId id="267" r:id="rId13"/>
-    <p:sldId id="268" r:id="rId14"/>
-    <p:sldId id="269" r:id="rId15"/>
-    <p:sldId id="270" r:id="rId16"/>
-    <p:sldId id="271" r:id="rId17"/>
-    <p:sldId id="272" r:id="rId18"/>
-    <p:sldId id="273" r:id="rId19"/>
-    <p:sldId id="274" r:id="rId20"/>
+    <p:sldId id="275" r:id="rId3"/>
+    <p:sldId id="259" r:id="rId4"/>
+    <p:sldId id="256" r:id="rId5"/>
+    <p:sldId id="263" r:id="rId6"/>
+    <p:sldId id="258" r:id="rId7"/>
+    <p:sldId id="260" r:id="rId8"/>
+    <p:sldId id="261" r:id="rId9"/>
+    <p:sldId id="262" r:id="rId10"/>
+    <p:sldId id="265" r:id="rId11"/>
+    <p:sldId id="264" r:id="rId12"/>
+    <p:sldId id="266" r:id="rId13"/>
+    <p:sldId id="267" r:id="rId14"/>
+    <p:sldId id="268" r:id="rId15"/>
+    <p:sldId id="269" r:id="rId16"/>
+    <p:sldId id="270" r:id="rId17"/>
+    <p:sldId id="271" r:id="rId18"/>
+    <p:sldId id="272" r:id="rId19"/>
+    <p:sldId id="273" r:id="rId20"/>
+    <p:sldId id="274" r:id="rId21"/>
   </p:sldIdLst>
   <p:sldSz cx="12192000" cy="6858000"/>
   <p:notesSz cx="6858000" cy="9144000"/>
@@ -139,6 +140,35 @@
     </p:ext>
   </p:extLst>
 </p:presentation>
+</file>
+
+<file path=ppt/ink/ink1.xml><?xml version="1.0" encoding="utf-8"?>
+<inkml:ink xmlns:inkml="http://www.w3.org/2003/InkML">
+  <inkml:definitions>
+    <inkml:context xml:id="ctx0">
+      <inkml:inkSource xml:id="inkSrc0">
+        <inkml:traceFormat>
+          <inkml:channel name="X" type="integer" min="-2.14748E9" max="2.14748E9" units="cm"/>
+          <inkml:channel name="Y" type="integer" min="-2.14748E9" max="2.14748E9" units="cm"/>
+          <inkml:channel name="F" type="integer" max="32767" units="dev"/>
+        </inkml:traceFormat>
+        <inkml:channelProperties>
+          <inkml:channelProperty channel="X" name="resolution" value="1000" units="1/cm"/>
+          <inkml:channelProperty channel="Y" name="resolution" value="1000" units="1/cm"/>
+          <inkml:channelProperty channel="F" name="resolution" value="0" units="1/dev"/>
+        </inkml:channelProperties>
+      </inkml:inkSource>
+      <inkml:timestamp xml:id="ts0" timeString="2019-09-05T18:13:29.589"/>
+    </inkml:context>
+    <inkml:brush xml:id="br0">
+      <inkml:brushProperty name="width" value="0.05292" units="cm"/>
+      <inkml:brushProperty name="height" value="0.05292" units="cm"/>
+      <inkml:brushProperty name="color" value="#FF0000"/>
+    </inkml:brush>
+  </inkml:definitions>
+  <inkml:trace contextRef="#ctx0" brushRef="#br0">23548 8255 24575,'20'-43'0,"19"21"0,-18-17 0,7 12 0,3 5 0,-27-17 0,35 35 0,-33-27 0,33 27 0,-35-35 0,12 33 0,-16-18 0,23 24 0,-17 0 0,18-16 0,-24 13 0,0-13 0,0 16 0,0-16 0,0 12 0,0-11 0,0-9 0,0 18 0,0-17 0</inkml:trace>
+  <inkml:trace contextRef="#ctx0" brushRef="#br0" timeOffset="2032">25506 7832 24575,'-20'0'0,"-19"0"0,17 0 0,-2 0 0,-2 0 0,-12 0 0,11 0 0,-5 0 0,29 0 0,-13 0 0,-8 0 0,18 0 0,-33 0 0,35 0 0,-11 0 0,15 0 0,0 23 0,0-17 0,0 18 0,0-24 0,0 0 0,0 15 0,0-11 0,0 12 0,0-16 0,0 16 0,0-13 0,0 13 0,0 8 0,0-18 0,0 33 0,0-35 0,0 11 0,0 1 0,0-12 0,0 35 0,0-33 0,0 18 0,0-24 0,0 15 0,0-11 0,0 12 0,0-16 0,0 0 0,15 0 0,-11 0 0,12 0 0,-16 23 0,0-17 0,23 18 0,-17-24 0,18 0 0,-24 0 0,16 0 0,-13 0 0,13 0 0,-16 0 0,16 0 0,-12 0 0,11 0 0,-15 0 0,24 0 0,-18 0 0,17 0 0,-23 0 0,16 0 0,-12 0 0,12 0 0,-16 0 0,23 0 0,-17 0 0,18 0 0,-24 0 0,0-24 0,0 18 0,0-17 0,0 23 0,0 0 0</inkml:trace>
+</inkml:ink>
 </file>
 
 <file path=ppt/slideLayouts/slideLayout1.xml><?xml version="1.0" encoding="utf-8"?>
@@ -288,7 +318,7 @@
           <a:p>
             <a:fld id="{A5EC08F4-70F0-B94E-AB10-935034FC2DE7}" type="datetimeFigureOut">
               <a:rPr lang="en-US" smtClean="0"/>
-              <a:t>9/5/19</a:t>
+              <a:t>9/6/19</a:t>
             </a:fld>
             <a:endParaRPr lang="en-US"/>
           </a:p>
@@ -486,7 +516,7 @@
           <a:p>
             <a:fld id="{A5EC08F4-70F0-B94E-AB10-935034FC2DE7}" type="datetimeFigureOut">
               <a:rPr lang="en-US" smtClean="0"/>
-              <a:t>9/5/19</a:t>
+              <a:t>9/6/19</a:t>
             </a:fld>
             <a:endParaRPr lang="en-US"/>
           </a:p>
@@ -694,7 +724,7 @@
           <a:p>
             <a:fld id="{A5EC08F4-70F0-B94E-AB10-935034FC2DE7}" type="datetimeFigureOut">
               <a:rPr lang="en-US" smtClean="0"/>
-              <a:t>9/5/19</a:t>
+              <a:t>9/6/19</a:t>
             </a:fld>
             <a:endParaRPr lang="en-US"/>
           </a:p>
@@ -892,7 +922,7 @@
           <a:p>
             <a:fld id="{A5EC08F4-70F0-B94E-AB10-935034FC2DE7}" type="datetimeFigureOut">
               <a:rPr lang="en-US" smtClean="0"/>
-              <a:t>9/5/19</a:t>
+              <a:t>9/6/19</a:t>
             </a:fld>
             <a:endParaRPr lang="en-US"/>
           </a:p>
@@ -1167,7 +1197,7 @@
           <a:p>
             <a:fld id="{A5EC08F4-70F0-B94E-AB10-935034FC2DE7}" type="datetimeFigureOut">
               <a:rPr lang="en-US" smtClean="0"/>
-              <a:t>9/5/19</a:t>
+              <a:t>9/6/19</a:t>
             </a:fld>
             <a:endParaRPr lang="en-US"/>
           </a:p>
@@ -1432,7 +1462,7 @@
           <a:p>
             <a:fld id="{A5EC08F4-70F0-B94E-AB10-935034FC2DE7}" type="datetimeFigureOut">
               <a:rPr lang="en-US" smtClean="0"/>
-              <a:t>9/5/19</a:t>
+              <a:t>9/6/19</a:t>
             </a:fld>
             <a:endParaRPr lang="en-US"/>
           </a:p>
@@ -1844,7 +1874,7 @@
           <a:p>
             <a:fld id="{A5EC08F4-70F0-B94E-AB10-935034FC2DE7}" type="datetimeFigureOut">
               <a:rPr lang="en-US" smtClean="0"/>
-              <a:t>9/5/19</a:t>
+              <a:t>9/6/19</a:t>
             </a:fld>
             <a:endParaRPr lang="en-US"/>
           </a:p>
@@ -1985,7 +2015,7 @@
           <a:p>
             <a:fld id="{A5EC08F4-70F0-B94E-AB10-935034FC2DE7}" type="datetimeFigureOut">
               <a:rPr lang="en-US" smtClean="0"/>
-              <a:t>9/5/19</a:t>
+              <a:t>9/6/19</a:t>
             </a:fld>
             <a:endParaRPr lang="en-US"/>
           </a:p>
@@ -2098,7 +2128,7 @@
           <a:p>
             <a:fld id="{A5EC08F4-70F0-B94E-AB10-935034FC2DE7}" type="datetimeFigureOut">
               <a:rPr lang="en-US" smtClean="0"/>
-              <a:t>9/5/19</a:t>
+              <a:t>9/6/19</a:t>
             </a:fld>
             <a:endParaRPr lang="en-US"/>
           </a:p>
@@ -2409,7 +2439,7 @@
           <a:p>
             <a:fld id="{A5EC08F4-70F0-B94E-AB10-935034FC2DE7}" type="datetimeFigureOut">
               <a:rPr lang="en-US" smtClean="0"/>
-              <a:t>9/5/19</a:t>
+              <a:t>9/6/19</a:t>
             </a:fld>
             <a:endParaRPr lang="en-US"/>
           </a:p>
@@ -2697,7 +2727,7 @@
           <a:p>
             <a:fld id="{A5EC08F4-70F0-B94E-AB10-935034FC2DE7}" type="datetimeFigureOut">
               <a:rPr lang="en-US" smtClean="0"/>
-              <a:t>9/5/19</a:t>
+              <a:t>9/6/19</a:t>
             </a:fld>
             <a:endParaRPr lang="en-US"/>
           </a:p>
@@ -2938,7 +2968,7 @@
           <a:p>
             <a:fld id="{A5EC08F4-70F0-B94E-AB10-935034FC2DE7}" type="datetimeFigureOut">
               <a:rPr lang="en-US" smtClean="0"/>
-              <a:t>9/5/19</a:t>
+              <a:t>9/6/19</a:t>
             </a:fld>
             <a:endParaRPr lang="en-US"/>
           </a:p>
@@ -3467,8 +3497,332 @@
           <a:chExt cx="0" cy="0"/>
         </a:xfrm>
       </p:grpSpPr>
-      <mc:AlternateContent xmlns:mc="http://schemas.openxmlformats.org/markup-compatibility/2006">
-        <mc:Choice xmlns:a14="http://schemas.microsoft.com/office/drawing/2010/main" Requires="a14">
+      <p:sp>
+        <p:nvSpPr>
+          <p:cNvPr id="2" name="Title 1">
+            <a:extLst>
+              <a:ext uri="{FF2B5EF4-FFF2-40B4-BE49-F238E27FC236}">
+                <a16:creationId xmlns:a16="http://schemas.microsoft.com/office/drawing/2014/main" id="{E14980E5-CAB5-1D4F-BEC2-BB06A103BBB1}"/>
+              </a:ext>
+            </a:extLst>
+          </p:cNvPr>
+          <p:cNvSpPr>
+            <a:spLocks noGrp="1"/>
+          </p:cNvSpPr>
+          <p:nvPr>
+            <p:ph type="title"/>
+          </p:nvPr>
+        </p:nvSpPr>
+        <p:spPr/>
+        <p:txBody>
+          <a:bodyPr/>
+          <a:lstStyle/>
+          <a:p>
+            <a:r>
+              <a:rPr lang="en-US" dirty="0"/>
+              <a:t>Decision procedures</a:t>
+            </a:r>
+          </a:p>
+        </p:txBody>
+      </p:sp>
+      <mc:AlternateContent xmlns:mc="http://schemas.openxmlformats.org/markup-compatibility/2006" xmlns:a14="http://schemas.microsoft.com/office/drawing/2010/main">
+        <mc:Choice Requires="a14">
+          <p:sp>
+            <p:nvSpPr>
+              <p:cNvPr id="5" name="Content Placeholder 4">
+                <a:extLst>
+                  <a:ext uri="{FF2B5EF4-FFF2-40B4-BE49-F238E27FC236}">
+                    <a16:creationId xmlns:a16="http://schemas.microsoft.com/office/drawing/2014/main" id="{92EC3F36-BB7C-7E4E-8EFA-162BE7C9E3F0}"/>
+                  </a:ext>
+                </a:extLst>
+              </p:cNvPr>
+              <p:cNvSpPr>
+                <a:spLocks noGrp="1"/>
+              </p:cNvSpPr>
+              <p:nvPr>
+                <p:ph idx="1"/>
+              </p:nvPr>
+            </p:nvSpPr>
+            <p:spPr/>
+            <p:txBody>
+              <a:bodyPr/>
+              <a:lstStyle/>
+              <a:p>
+                <a:pPr marL="0" indent="0">
+                  <a:buNone/>
+                </a:pPr>
+                <a:r>
+                  <a:rPr lang="en-US" dirty="0"/>
+                  <a:t>Given a theory </a:t>
+                </a:r>
+                <a14:m>
+                  <m:oMath xmlns:m="http://schemas.openxmlformats.org/officeDocument/2006/math">
+                    <m:r>
+                      <a:rPr lang="en-US" b="0" i="1" smtClean="0">
+                        <a:latin typeface="Cambria Math" panose="02040503050406030204" pitchFamily="18" charset="0"/>
+                      </a:rPr>
+                      <m:t>𝑇</m:t>
+                    </m:r>
+                  </m:oMath>
+                </a14:m>
+                <a:r>
+                  <a:rPr lang="en-US" dirty="0"/>
+                  <a:t> a </a:t>
+                </a:r>
+                <a:r>
+                  <a:rPr lang="en-US" dirty="0">
+                    <a:solidFill>
+                      <a:srgbClr val="0070C0"/>
+                    </a:solidFill>
+                  </a:rPr>
+                  <a:t>theory solver or a decision procedure </a:t>
+                </a:r>
+                <a:r>
+                  <a:rPr lang="en-US" dirty="0"/>
+                  <a:t>for </a:t>
+                </a:r>
+                <a14:m>
+                  <m:oMath xmlns:m="http://schemas.openxmlformats.org/officeDocument/2006/math">
+                    <m:r>
+                      <a:rPr lang="en-US" b="0" i="1" smtClean="0">
+                        <a:latin typeface="Cambria Math" panose="02040503050406030204" pitchFamily="18" charset="0"/>
+                      </a:rPr>
+                      <m:t>𝑇</m:t>
+                    </m:r>
+                  </m:oMath>
+                </a14:m>
+                <a:r>
+                  <a:rPr lang="en-US" dirty="0"/>
+                  <a:t> takes as input a </a:t>
+                </a:r>
+                <a:r>
+                  <a:rPr lang="en-US" dirty="0">
+                    <a:solidFill>
+                      <a:schemeClr val="tx1"/>
+                    </a:solidFill>
+                  </a:rPr>
+                  <a:t>set of </a:t>
+                </a:r>
+                <a:r>
+                  <a:rPr lang="en-US" dirty="0">
+                    <a:solidFill>
+                      <a:schemeClr val="accent2">
+                        <a:lumMod val="75000"/>
+                      </a:schemeClr>
+                    </a:solidFill>
+                  </a:rPr>
+                  <a:t>literals</a:t>
+                </a:r>
+                <a:r>
+                  <a:rPr lang="en-US" dirty="0">
+                    <a:solidFill>
+                      <a:schemeClr val="tx1"/>
+                    </a:solidFill>
+                  </a:rPr>
+                  <a:t> </a:t>
+                </a:r>
+                <a14:m>
+                  <m:oMath xmlns:m="http://schemas.openxmlformats.org/officeDocument/2006/math">
+                    <m:r>
+                      <a:rPr lang="en-US" b="0" i="1" smtClean="0">
+                        <a:solidFill>
+                          <a:schemeClr val="tx1"/>
+                        </a:solidFill>
+                        <a:latin typeface="Cambria Math" panose="02040503050406030204" pitchFamily="18" charset="0"/>
+                      </a:rPr>
+                      <m:t>𝜙</m:t>
+                    </m:r>
+                  </m:oMath>
+                </a14:m>
+                <a:r>
+                  <a:rPr lang="en-US" dirty="0">
+                    <a:solidFill>
+                      <a:schemeClr val="tx1"/>
+                    </a:solidFill>
+                  </a:rPr>
+                  <a:t> (atomic propositions in CNF) </a:t>
+                </a:r>
+                <a:r>
+                  <a:rPr lang="en-US" dirty="0"/>
+                  <a:t>and determines whether </a:t>
+                </a:r>
+                <a14:m>
+                  <m:oMath xmlns:m="http://schemas.openxmlformats.org/officeDocument/2006/math">
+                    <m:r>
+                      <a:rPr lang="en-US" b="0" i="1" smtClean="0">
+                        <a:latin typeface="Cambria Math" panose="02040503050406030204" pitchFamily="18" charset="0"/>
+                      </a:rPr>
+                      <m:t>𝜙</m:t>
+                    </m:r>
+                  </m:oMath>
+                </a14:m>
+                <a:r>
+                  <a:rPr lang="en-US" dirty="0"/>
+                  <a:t> is </a:t>
+                </a:r>
+                <a14:m>
+                  <m:oMath xmlns:m="http://schemas.openxmlformats.org/officeDocument/2006/math">
+                    <m:r>
+                      <a:rPr lang="en-US" b="0" i="1" smtClean="0">
+                        <a:solidFill>
+                          <a:srgbClr val="00B0F0"/>
+                        </a:solidFill>
+                        <a:latin typeface="Cambria Math" panose="02040503050406030204" pitchFamily="18" charset="0"/>
+                      </a:rPr>
+                      <m:t>𝑇</m:t>
+                    </m:r>
+                  </m:oMath>
+                </a14:m>
+                <a:r>
+                  <a:rPr lang="en-US" dirty="0">
+                    <a:solidFill>
+                      <a:srgbClr val="00B0F0"/>
+                    </a:solidFill>
+                  </a:rPr>
+                  <a:t>-satisfiable</a:t>
+                </a:r>
+                <a:r>
+                  <a:rPr lang="en-US" dirty="0"/>
+                  <a:t>, that is, </a:t>
+                </a:r>
+              </a:p>
+              <a:p>
+                <a:pPr marL="0" indent="0">
+                  <a:buNone/>
+                </a:pPr>
+                <a14:m>
+                  <m:oMath xmlns:m="http://schemas.openxmlformats.org/officeDocument/2006/math">
+                    <m:r>
+                      <a:rPr lang="en-US" b="0" i="1" smtClean="0">
+                        <a:latin typeface="Cambria Math" panose="02040503050406030204" pitchFamily="18" charset="0"/>
+                      </a:rPr>
+                      <m:t>∃</m:t>
+                    </m:r>
+                  </m:oMath>
+                </a14:m>
+                <a:r>
+                  <a:rPr lang="en-US" dirty="0"/>
+                  <a:t> a model </a:t>
+                </a:r>
+                <a14:m>
+                  <m:oMath xmlns:m="http://schemas.openxmlformats.org/officeDocument/2006/math">
+                    <m:r>
+                      <a:rPr lang="en-US" i="1">
+                        <a:latin typeface="Cambria Math" panose="02040503050406030204" pitchFamily="18" charset="0"/>
+                      </a:rPr>
+                      <m:t>𝑀</m:t>
+                    </m:r>
+                  </m:oMath>
+                </a14:m>
+                <a:r>
+                  <a:rPr lang="en-US" dirty="0"/>
+                  <a:t> such that </a:t>
+                </a:r>
+                <a14:m>
+                  <m:oMath xmlns:m="http://schemas.openxmlformats.org/officeDocument/2006/math">
+                    <m:r>
+                      <a:rPr lang="en-US" i="1">
+                        <a:latin typeface="Cambria Math" panose="02040503050406030204" pitchFamily="18" charset="0"/>
+                      </a:rPr>
+                      <m:t>𝑀</m:t>
+                    </m:r>
+                    <m:r>
+                      <a:rPr lang="en-US" b="0" i="1" smtClean="0">
+                        <a:latin typeface="Cambria Math" panose="02040503050406030204" pitchFamily="18" charset="0"/>
+                      </a:rPr>
+                      <m:t>⊨</m:t>
+                    </m:r>
+                    <m:r>
+                      <a:rPr lang="en-US" b="0" i="1" smtClean="0">
+                        <a:latin typeface="Cambria Math" panose="02040503050406030204" pitchFamily="18" charset="0"/>
+                      </a:rPr>
+                      <m:t>𝜙</m:t>
+                    </m:r>
+                    <m:r>
+                      <a:rPr lang="en-US" b="0" i="1" smtClean="0">
+                        <a:latin typeface="Cambria Math" panose="02040503050406030204" pitchFamily="18" charset="0"/>
+                      </a:rPr>
+                      <m:t>?</m:t>
+                    </m:r>
+                  </m:oMath>
+                </a14:m>
+                <a:endParaRPr lang="en-US" dirty="0"/>
+              </a:p>
+            </p:txBody>
+          </p:sp>
+        </mc:Choice>
+        <mc:Fallback xmlns="">
+          <p:sp>
+            <p:nvSpPr>
+              <p:cNvPr id="5" name="Content Placeholder 4">
+                <a:extLst>
+                  <a:ext uri="{FF2B5EF4-FFF2-40B4-BE49-F238E27FC236}">
+                    <a16:creationId xmlns:a16="http://schemas.microsoft.com/office/drawing/2014/main" id="{92EC3F36-BB7C-7E4E-8EFA-162BE7C9E3F0}"/>
+                  </a:ext>
+                </a:extLst>
+              </p:cNvPr>
+              <p:cNvSpPr>
+                <a:spLocks noGrp="1" noRot="1" noChangeAspect="1" noMove="1" noResize="1" noEditPoints="1" noAdjustHandles="1" noChangeArrowheads="1" noChangeShapeType="1" noTextEdit="1"/>
+              </p:cNvSpPr>
+              <p:nvPr>
+                <p:ph idx="1"/>
+              </p:nvPr>
+            </p:nvSpPr>
+            <p:spPr>
+              <a:blipFill>
+                <a:blip r:embed="rId2"/>
+                <a:stretch>
+                  <a:fillRect l="-1086" t="-2632" r="-121"/>
+                </a:stretch>
+              </a:blipFill>
+            </p:spPr>
+            <p:txBody>
+              <a:bodyPr/>
+              <a:lstStyle/>
+              <a:p>
+                <a:r>
+                  <a:rPr lang="en-US">
+                    <a:noFill/>
+                  </a:rPr>
+                  <a:t> </a:t>
+                </a:r>
+              </a:p>
+            </p:txBody>
+          </p:sp>
+        </mc:Fallback>
+      </mc:AlternateContent>
+    </p:spTree>
+    <p:extLst>
+      <p:ext uri="{BB962C8B-B14F-4D97-AF65-F5344CB8AC3E}">
+        <p14:creationId xmlns:p14="http://schemas.microsoft.com/office/powerpoint/2010/main" val="4120726217"/>
+      </p:ext>
+    </p:extLst>
+  </p:cSld>
+  <p:clrMapOvr>
+    <a:masterClrMapping/>
+  </p:clrMapOvr>
+</p:sld>
+</file>
+
+<file path=ppt/slides/slide11.xml><?xml version="1.0" encoding="utf-8"?>
+<p:sld xmlns:a="http://schemas.openxmlformats.org/drawingml/2006/main" xmlns:r="http://schemas.openxmlformats.org/officeDocument/2006/relationships" xmlns:p="http://schemas.openxmlformats.org/presentationml/2006/main">
+  <p:cSld>
+    <p:spTree>
+      <p:nvGrpSpPr>
+        <p:cNvPr id="1" name=""/>
+        <p:cNvGrpSpPr/>
+        <p:nvPr/>
+      </p:nvGrpSpPr>
+      <p:grpSpPr>
+        <a:xfrm>
+          <a:off x="0" y="0"/>
+          <a:ext cx="0" cy="0"/>
+          <a:chOff x="0" y="0"/>
+          <a:chExt cx="0" cy="0"/>
+        </a:xfrm>
+      </p:grpSpPr>
+      <mc:AlternateContent xmlns:mc="http://schemas.openxmlformats.org/markup-compatibility/2006" xmlns:a14="http://schemas.microsoft.com/office/drawing/2010/main">
+        <mc:Choice Requires="a14">
           <p:sp>
             <p:nvSpPr>
               <p:cNvPr id="4" name="Title 3">
@@ -3523,7 +3877,7 @@
             </p:txBody>
           </p:sp>
         </mc:Choice>
-        <mc:Fallback>
+        <mc:Fallback xmlns="">
           <p:sp>
             <p:nvSpPr>
               <p:cNvPr id="4" name="Title 3">
@@ -3604,7 +3958,7 @@
 </p:sld>
 </file>
 
-<file path=ppt/slides/slide11.xml><?xml version="1.0" encoding="utf-8"?>
+<file path=ppt/slides/slide12.xml><?xml version="1.0" encoding="utf-8"?>
 <p:sld xmlns:a="http://schemas.openxmlformats.org/drawingml/2006/main" xmlns:r="http://schemas.openxmlformats.org/officeDocument/2006/relationships" xmlns:p="http://schemas.openxmlformats.org/presentationml/2006/main">
   <p:cSld>
     <p:spTree>
@@ -3649,8 +4003,8 @@
           </a:p>
         </p:txBody>
       </p:sp>
-      <mc:AlternateContent xmlns:mc="http://schemas.openxmlformats.org/markup-compatibility/2006">
-        <mc:Choice xmlns:a14="http://schemas.microsoft.com/office/drawing/2010/main" Requires="a14">
+      <mc:AlternateContent xmlns:mc="http://schemas.openxmlformats.org/markup-compatibility/2006" xmlns:a14="http://schemas.microsoft.com/office/drawing/2010/main">
+        <mc:Choice Requires="a14">
           <p:sp>
             <p:nvSpPr>
               <p:cNvPr id="5" name="Content Placeholder 4">
@@ -4231,13 +4585,7 @@
                           <a:rPr lang="en-US" b="0" i="1" smtClean="0">
                             <a:latin typeface="Cambria Math" panose="02040503050406030204" pitchFamily="18" charset="0"/>
                           </a:rPr>
-                          <m:t>&lt;,</m:t>
-                        </m:r>
-                        <m:r>
-                          <a:rPr lang="en-US" b="0" i="1" smtClean="0">
-                            <a:latin typeface="Cambria Math" panose="02040503050406030204" pitchFamily="18" charset="0"/>
-                          </a:rPr>
-                          <m:t>≤, =,&gt;,≥</m:t>
+                          <m:t>&lt;,≤, =,&gt;,≥</m:t>
                         </m:r>
                       </m:e>
                     </m:d>
@@ -4643,7 +4991,7 @@
             </p:txBody>
           </p:sp>
         </mc:Choice>
-        <mc:Fallback>
+        <mc:Fallback xmlns="">
           <p:sp>
             <p:nvSpPr>
               <p:cNvPr id="5" name="Content Placeholder 4">
@@ -5269,7 +5617,7 @@
 </p:sld>
 </file>
 
-<file path=ppt/slides/slide12.xml><?xml version="1.0" encoding="utf-8"?>
+<file path=ppt/slides/slide13.xml><?xml version="1.0" encoding="utf-8"?>
 <p:sld xmlns:a="http://schemas.openxmlformats.org/drawingml/2006/main" xmlns:r="http://schemas.openxmlformats.org/officeDocument/2006/relationships" xmlns:p="http://schemas.openxmlformats.org/presentationml/2006/main">
   <p:cSld>
     <p:spTree>
@@ -5316,8 +5664,8 @@
           </a:p>
         </p:txBody>
       </p:sp>
-      <mc:AlternateContent xmlns:mc="http://schemas.openxmlformats.org/markup-compatibility/2006">
-        <mc:Choice xmlns:a14="http://schemas.microsoft.com/office/drawing/2010/main" Requires="a14">
+      <mc:AlternateContent xmlns:mc="http://schemas.openxmlformats.org/markup-compatibility/2006" xmlns:a14="http://schemas.microsoft.com/office/drawing/2010/main">
+        <mc:Choice Requires="a14">
           <p:sp>
             <p:nvSpPr>
               <p:cNvPr id="3" name="Content Placeholder 2">
@@ -5647,7 +5995,7 @@
                       <m:d>
                         <m:dPr>
                           <m:ctrlPr>
-                            <a:rPr lang="en-US">
+                            <a:rPr lang="en-US" i="1">
                               <a:latin typeface="Cambria Math" panose="02040503050406030204" pitchFamily="18" charset="0"/>
                             </a:rPr>
                           </m:ctrlPr>
@@ -6013,7 +6361,7 @@
             </p:txBody>
           </p:sp>
         </mc:Choice>
-        <mc:Fallback>
+        <mc:Fallback xmlns="">
           <p:sp>
             <p:nvSpPr>
               <p:cNvPr id="3" name="Content Placeholder 2">
@@ -6492,7 +6840,7 @@
 </p:sld>
 </file>
 
-<file path=ppt/slides/slide13.xml><?xml version="1.0" encoding="utf-8"?>
+<file path=ppt/slides/slide14.xml><?xml version="1.0" encoding="utf-8"?>
 <p:sld xmlns:a="http://schemas.openxmlformats.org/drawingml/2006/main" xmlns:r="http://schemas.openxmlformats.org/officeDocument/2006/relationships" xmlns:p="http://schemas.openxmlformats.org/presentationml/2006/main">
   <p:cSld>
     <p:spTree>
@@ -6509,8 +6857,8 @@
           <a:chExt cx="0" cy="0"/>
         </a:xfrm>
       </p:grpSpPr>
-      <mc:AlternateContent xmlns:mc="http://schemas.openxmlformats.org/markup-compatibility/2006">
-        <mc:Choice xmlns:a14="http://schemas.microsoft.com/office/drawing/2010/main" Requires="a14">
+      <mc:AlternateContent xmlns:mc="http://schemas.openxmlformats.org/markup-compatibility/2006" xmlns:a14="http://schemas.microsoft.com/office/drawing/2010/main">
+        <mc:Choice Requires="a14">
           <p:sp>
             <p:nvSpPr>
               <p:cNvPr id="3" name="Content Placeholder 2">
@@ -6610,7 +6958,7 @@
             </p:txBody>
           </p:sp>
         </mc:Choice>
-        <mc:Fallback>
+        <mc:Fallback xmlns="">
           <p:sp>
             <p:nvSpPr>
               <p:cNvPr id="3" name="Content Placeholder 2">
@@ -6654,8 +7002,8 @@
           </p:sp>
         </mc:Fallback>
       </mc:AlternateContent>
-      <mc:AlternateContent xmlns:mc="http://schemas.openxmlformats.org/markup-compatibility/2006">
-        <mc:Choice xmlns:a14="http://schemas.microsoft.com/office/drawing/2010/main" Requires="a14">
+      <mc:AlternateContent xmlns:mc="http://schemas.openxmlformats.org/markup-compatibility/2006" xmlns:a14="http://schemas.microsoft.com/office/drawing/2010/main">
+        <mc:Choice Requires="a14">
           <p:sp>
             <p:nvSpPr>
               <p:cNvPr id="4" name="Rectangle 3">
@@ -6683,6 +7031,7 @@
               </a:bodyPr>
               <a:lstStyle/>
               <a:p>
+                <a:pPr/>
                 <a14:m>
                   <m:oMathPara xmlns:m="http://schemas.openxmlformats.org/officeDocument/2006/math">
                     <m:oMathParaPr>
@@ -6751,13 +7100,7 @@
                             <a:rPr lang="en-US" sz="2400" i="1">
                               <a:latin typeface="Cambria Math" panose="02040503050406030204" pitchFamily="18" charset="0"/>
                             </a:rPr>
-                            <m:t>≤</m:t>
-                          </m:r>
-                          <m:r>
-                            <a:rPr lang="en-US" sz="2400" i="1">
-                              <a:latin typeface="Cambria Math" panose="02040503050406030204" pitchFamily="18" charset="0"/>
-                            </a:rPr>
-                            <m:t>5</m:t>
+                            <m:t>≤5</m:t>
                           </m:r>
                         </m:e>
                       </m:d>
@@ -6799,6 +7142,7 @@
                 </a:endParaRPr>
               </a:p>
               <a:p>
+                <a:pPr/>
                 <a14:m>
                   <m:oMathPara xmlns:m="http://schemas.openxmlformats.org/officeDocument/2006/math">
                     <m:oMathParaPr>
@@ -6842,13 +7186,7 @@
                             <a:rPr lang="en-US" sz="2400" i="1">
                               <a:latin typeface="Cambria Math" panose="02040503050406030204" pitchFamily="18" charset="0"/>
                             </a:rPr>
-                            <m:t>≤−</m:t>
-                          </m:r>
-                          <m:r>
-                            <a:rPr lang="en-US" sz="2400" i="1">
-                              <a:latin typeface="Cambria Math" panose="02040503050406030204" pitchFamily="18" charset="0"/>
-                            </a:rPr>
-                            <m:t>2</m:t>
+                            <m:t>≤−2</m:t>
                           </m:r>
                         </m:e>
                       </m:d>
@@ -6866,6 +7204,7 @@
                 </a:endParaRPr>
               </a:p>
               <a:p>
+                <a:pPr/>
                 <a14:m>
                   <m:oMathPara xmlns:m="http://schemas.openxmlformats.org/officeDocument/2006/math">
                     <m:oMathParaPr>
@@ -6921,6 +7260,7 @@
                 </a:endParaRPr>
               </a:p>
               <a:p>
+                <a:pPr/>
                 <a14:m>
                   <m:oMathPara xmlns:m="http://schemas.openxmlformats.org/officeDocument/2006/math">
                     <m:oMathParaPr>
@@ -6958,13 +7298,7 @@
                             <a:rPr lang="en-US" sz="2400" i="1">
                               <a:latin typeface="Cambria Math" panose="02040503050406030204" pitchFamily="18" charset="0"/>
                             </a:rPr>
-                            <m:t>≤</m:t>
-                          </m:r>
-                          <m:r>
-                            <a:rPr lang="en-US" sz="2400" i="1">
-                              <a:latin typeface="Cambria Math" panose="02040503050406030204" pitchFamily="18" charset="0"/>
-                            </a:rPr>
-                            <m:t>2</m:t>
+                            <m:t>≤2</m:t>
                           </m:r>
                         </m:e>
                       </m:d>
@@ -6972,13 +7306,7 @@
                         <a:rPr lang="en-US" sz="2400" i="1">
                           <a:latin typeface="Cambria Math" panose="02040503050406030204" pitchFamily="18" charset="0"/>
                         </a:rPr>
-                        <m:t>∧</m:t>
-                      </m:r>
-                      <m:r>
-                        <a:rPr lang="en-US" sz="2400" i="1">
-                          <a:latin typeface="Cambria Math" panose="02040503050406030204" pitchFamily="18" charset="0"/>
-                        </a:rPr>
-                        <m:t>(</m:t>
+                        <m:t>∧(</m:t>
                       </m:r>
                       <m:r>
                         <a:rPr lang="en-US" sz="2400" i="1">
@@ -7012,6 +7340,7 @@
                 </a:endParaRPr>
               </a:p>
               <a:p>
+                <a:pPr/>
                 <a14:m>
                   <m:oMathPara xmlns:m="http://schemas.openxmlformats.org/officeDocument/2006/math">
                     <m:oMathParaPr>
@@ -7046,22 +7375,7 @@
                         <a:rPr lang="en-US" sz="2400" i="1">
                           <a:latin typeface="Cambria Math" panose="02040503050406030204" pitchFamily="18" charset="0"/>
                         </a:rPr>
-                        <m:t>≤</m:t>
-                      </m:r>
-                      <m:r>
-                        <a:rPr lang="en-US" sz="2400" i="1">
-                          <a:solidFill>
-                            <a:srgbClr val="FF0000"/>
-                          </a:solidFill>
-                          <a:latin typeface="Cambria Math" panose="02040503050406030204" pitchFamily="18" charset="0"/>
-                        </a:rPr>
-                        <m:t>−1</m:t>
-                      </m:r>
-                      <m:r>
-                        <a:rPr lang="en-US" sz="2400" i="1">
-                          <a:latin typeface="Cambria Math" panose="02040503050406030204" pitchFamily="18" charset="0"/>
-                        </a:rPr>
-                        <m:t>)</m:t>
+                        <m:t>≤−1)</m:t>
                       </m:r>
                     </m:oMath>
                   </m:oMathPara>
@@ -7071,7 +7385,7 @@
             </p:txBody>
           </p:sp>
         </mc:Choice>
-        <mc:Fallback>
+        <mc:Fallback xmlns="">
           <p:sp>
             <p:nvSpPr>
               <p:cNvPr id="4" name="Rectangle 3">
@@ -7116,8 +7430,8 @@
           </p:sp>
         </mc:Fallback>
       </mc:AlternateContent>
-      <mc:AlternateContent xmlns:mc="http://schemas.openxmlformats.org/markup-compatibility/2006">
-        <mc:Choice xmlns:a14="http://schemas.microsoft.com/office/drawing/2010/main" Requires="a14">
+      <mc:AlternateContent xmlns:mc="http://schemas.openxmlformats.org/markup-compatibility/2006" xmlns:a14="http://schemas.microsoft.com/office/drawing/2010/main">
+        <mc:Choice Requires="a14">
           <p:sp>
             <p:nvSpPr>
               <p:cNvPr id="5" name="Oval 4">
@@ -7178,7 +7492,7 @@
             </p:txBody>
           </p:sp>
         </mc:Choice>
-        <mc:Fallback>
+        <mc:Fallback xmlns="">
           <p:sp>
             <p:nvSpPr>
               <p:cNvPr id="5" name="Oval 4">
@@ -7223,8 +7537,8 @@
           </p:sp>
         </mc:Fallback>
       </mc:AlternateContent>
-      <mc:AlternateContent xmlns:mc="http://schemas.openxmlformats.org/markup-compatibility/2006">
-        <mc:Choice xmlns:a14="http://schemas.microsoft.com/office/drawing/2010/main" Requires="a14">
+      <mc:AlternateContent xmlns:mc="http://schemas.openxmlformats.org/markup-compatibility/2006" xmlns:a14="http://schemas.microsoft.com/office/drawing/2010/main">
+        <mc:Choice Requires="a14">
           <p:sp>
             <p:nvSpPr>
               <p:cNvPr id="6" name="Oval 5">
@@ -7285,7 +7599,7 @@
             </p:txBody>
           </p:sp>
         </mc:Choice>
-        <mc:Fallback>
+        <mc:Fallback xmlns="">
           <p:sp>
             <p:nvSpPr>
               <p:cNvPr id="6" name="Oval 5">
@@ -7330,8 +7644,8 @@
           </p:sp>
         </mc:Fallback>
       </mc:AlternateContent>
-      <mc:AlternateContent xmlns:mc="http://schemas.openxmlformats.org/markup-compatibility/2006">
-        <mc:Choice xmlns:a14="http://schemas.microsoft.com/office/drawing/2010/main" Requires="a14">
+      <mc:AlternateContent xmlns:mc="http://schemas.openxmlformats.org/markup-compatibility/2006" xmlns:a14="http://schemas.microsoft.com/office/drawing/2010/main">
+        <mc:Choice Requires="a14">
           <p:sp>
             <p:nvSpPr>
               <p:cNvPr id="7" name="Oval 6">
@@ -7392,7 +7706,7 @@
             </p:txBody>
           </p:sp>
         </mc:Choice>
-        <mc:Fallback>
+        <mc:Fallback xmlns="">
           <p:sp>
             <p:nvSpPr>
               <p:cNvPr id="7" name="Oval 6">
@@ -7437,8 +7751,8 @@
           </p:sp>
         </mc:Fallback>
       </mc:AlternateContent>
-      <mc:AlternateContent xmlns:mc="http://schemas.openxmlformats.org/markup-compatibility/2006">
-        <mc:Choice xmlns:a14="http://schemas.microsoft.com/office/drawing/2010/main" Requires="a14">
+      <mc:AlternateContent xmlns:mc="http://schemas.openxmlformats.org/markup-compatibility/2006" xmlns:a14="http://schemas.microsoft.com/office/drawing/2010/main">
+        <mc:Choice Requires="a14">
           <p:sp>
             <p:nvSpPr>
               <p:cNvPr id="8" name="Oval 7">
@@ -7499,7 +7813,7 @@
             </p:txBody>
           </p:sp>
         </mc:Choice>
-        <mc:Fallback>
+        <mc:Fallback xmlns="">
           <p:sp>
             <p:nvSpPr>
               <p:cNvPr id="8" name="Oval 7">
@@ -7772,8 +8086,8 @@
           </a:fontRef>
         </p:style>
       </p:cxnSp>
-      <mc:AlternateContent xmlns:mc="http://schemas.openxmlformats.org/markup-compatibility/2006">
-        <mc:Choice xmlns:a14="http://schemas.microsoft.com/office/drawing/2010/main" Requires="a14">
+      <mc:AlternateContent xmlns:mc="http://schemas.openxmlformats.org/markup-compatibility/2006" xmlns:a14="http://schemas.microsoft.com/office/drawing/2010/main">
+        <mc:Choice Requires="a14">
           <p:sp>
             <p:nvSpPr>
               <p:cNvPr id="24" name="Rectangle 23">
@@ -7801,6 +8115,7 @@
               </a:bodyPr>
               <a:lstStyle/>
               <a:p>
+                <a:pPr/>
                 <a14:m>
                   <m:oMathPara xmlns:m="http://schemas.openxmlformats.org/officeDocument/2006/math">
                     <m:oMathParaPr>
@@ -7821,7 +8136,7 @@
             </p:txBody>
           </p:sp>
         </mc:Choice>
-        <mc:Fallback>
+        <mc:Fallback xmlns="">
           <p:sp>
             <p:nvSpPr>
               <p:cNvPr id="24" name="Rectangle 23">
@@ -7866,8 +8181,8 @@
           </p:sp>
         </mc:Fallback>
       </mc:AlternateContent>
-      <mc:AlternateContent xmlns:mc="http://schemas.openxmlformats.org/markup-compatibility/2006">
-        <mc:Choice xmlns:a14="http://schemas.microsoft.com/office/drawing/2010/main" Requires="a14">
+      <mc:AlternateContent xmlns:mc="http://schemas.openxmlformats.org/markup-compatibility/2006" xmlns:a14="http://schemas.microsoft.com/office/drawing/2010/main">
+        <mc:Choice Requires="a14">
           <p:sp>
             <p:nvSpPr>
               <p:cNvPr id="25" name="Rectangle 24">
@@ -7895,6 +8210,7 @@
               </a:bodyPr>
               <a:lstStyle/>
               <a:p>
+                <a:pPr/>
                 <a14:m>
                   <m:oMathPara xmlns:m="http://schemas.openxmlformats.org/officeDocument/2006/math">
                     <m:oMathParaPr>
@@ -7921,7 +8237,7 @@
             </p:txBody>
           </p:sp>
         </mc:Choice>
-        <mc:Fallback>
+        <mc:Fallback xmlns="">
           <p:sp>
             <p:nvSpPr>
               <p:cNvPr id="25" name="Rectangle 24">
@@ -7966,8 +8282,8 @@
           </p:sp>
         </mc:Fallback>
       </mc:AlternateContent>
-      <mc:AlternateContent xmlns:mc="http://schemas.openxmlformats.org/markup-compatibility/2006">
-        <mc:Choice xmlns:a14="http://schemas.microsoft.com/office/drawing/2010/main" Requires="a14">
+      <mc:AlternateContent xmlns:mc="http://schemas.openxmlformats.org/markup-compatibility/2006" xmlns:a14="http://schemas.microsoft.com/office/drawing/2010/main">
+        <mc:Choice Requires="a14">
           <p:sp>
             <p:nvSpPr>
               <p:cNvPr id="26" name="Rectangle 25">
@@ -7995,6 +8311,7 @@
               </a:bodyPr>
               <a:lstStyle/>
               <a:p>
+                <a:pPr/>
                 <a14:m>
                   <m:oMathPara xmlns:m="http://schemas.openxmlformats.org/officeDocument/2006/math">
                     <m:oMathParaPr>
@@ -8015,7 +8332,7 @@
             </p:txBody>
           </p:sp>
         </mc:Choice>
-        <mc:Fallback>
+        <mc:Fallback xmlns="">
           <p:sp>
             <p:nvSpPr>
               <p:cNvPr id="26" name="Rectangle 25">
@@ -8108,8 +8425,8 @@
           </a:fontRef>
         </p:style>
       </p:cxnSp>
-      <mc:AlternateContent xmlns:mc="http://schemas.openxmlformats.org/markup-compatibility/2006">
-        <mc:Choice xmlns:a14="http://schemas.microsoft.com/office/drawing/2010/main" Requires="a14">
+      <mc:AlternateContent xmlns:mc="http://schemas.openxmlformats.org/markup-compatibility/2006" xmlns:a14="http://schemas.microsoft.com/office/drawing/2010/main">
+        <mc:Choice Requires="a14">
           <p:sp>
             <p:nvSpPr>
               <p:cNvPr id="30" name="Rectangle 29">
@@ -8137,6 +8454,7 @@
               </a:bodyPr>
               <a:lstStyle/>
               <a:p>
+                <a:pPr/>
                 <a14:m>
                   <m:oMathPara xmlns:m="http://schemas.openxmlformats.org/officeDocument/2006/math">
                     <m:oMathParaPr>
@@ -8157,7 +8475,7 @@
             </p:txBody>
           </p:sp>
         </mc:Choice>
-        <mc:Fallback>
+        <mc:Fallback xmlns="">
           <p:sp>
             <p:nvSpPr>
               <p:cNvPr id="30" name="Rectangle 29">
@@ -8202,8 +8520,8 @@
           </p:sp>
         </mc:Fallback>
       </mc:AlternateContent>
-      <mc:AlternateContent xmlns:mc="http://schemas.openxmlformats.org/markup-compatibility/2006">
-        <mc:Choice xmlns:a14="http://schemas.microsoft.com/office/drawing/2010/main" Requires="a14">
+      <mc:AlternateContent xmlns:mc="http://schemas.openxmlformats.org/markup-compatibility/2006" xmlns:a14="http://schemas.microsoft.com/office/drawing/2010/main">
+        <mc:Choice Requires="a14">
           <p:sp>
             <p:nvSpPr>
               <p:cNvPr id="31" name="Rectangle 30">
@@ -8231,6 +8549,7 @@
               </a:bodyPr>
               <a:lstStyle/>
               <a:p>
+                <a:pPr/>
                 <a14:m>
                   <m:oMathPara xmlns:m="http://schemas.openxmlformats.org/officeDocument/2006/math">
                     <m:oMathParaPr>
@@ -8251,7 +8570,7 @@
             </p:txBody>
           </p:sp>
         </mc:Choice>
-        <mc:Fallback>
+        <mc:Fallback xmlns="">
           <p:sp>
             <p:nvSpPr>
               <p:cNvPr id="31" name="Rectangle 30">
@@ -8344,8 +8663,8 @@
           </a:fontRef>
         </p:style>
       </p:cxnSp>
-      <mc:AlternateContent xmlns:mc="http://schemas.openxmlformats.org/markup-compatibility/2006">
-        <mc:Choice xmlns:a14="http://schemas.microsoft.com/office/drawing/2010/main" Requires="a14">
+      <mc:AlternateContent xmlns:mc="http://schemas.openxmlformats.org/markup-compatibility/2006" xmlns:a14="http://schemas.microsoft.com/office/drawing/2010/main">
+        <mc:Choice Requires="a14">
           <p:sp>
             <p:nvSpPr>
               <p:cNvPr id="36" name="Rectangle 35">
@@ -8373,6 +8692,7 @@
               </a:bodyPr>
               <a:lstStyle/>
               <a:p>
+                <a:pPr/>
                 <a14:m>
                   <m:oMathPara xmlns:m="http://schemas.openxmlformats.org/officeDocument/2006/math">
                     <m:oMathParaPr>
@@ -8393,7 +8713,7 @@
             </p:txBody>
           </p:sp>
         </mc:Choice>
-        <mc:Fallback>
+        <mc:Fallback xmlns="">
           <p:sp>
             <p:nvSpPr>
               <p:cNvPr id="36" name="Rectangle 35">
@@ -8438,8 +8758,8 @@
           </p:sp>
         </mc:Fallback>
       </mc:AlternateContent>
-      <mc:AlternateContent xmlns:mc="http://schemas.openxmlformats.org/markup-compatibility/2006">
-        <mc:Choice xmlns:a14="http://schemas.microsoft.com/office/drawing/2010/main" Requires="a14">
+      <mc:AlternateContent xmlns:mc="http://schemas.openxmlformats.org/markup-compatibility/2006" xmlns:a14="http://schemas.microsoft.com/office/drawing/2010/main">
+        <mc:Choice Requires="a14">
           <p:sp>
             <p:nvSpPr>
               <p:cNvPr id="37" name="Rectangle 36">
@@ -8467,6 +8787,7 @@
               </a:bodyPr>
               <a:lstStyle/>
               <a:p>
+                <a:pPr/>
                 <a14:m>
                   <m:oMathPara xmlns:m="http://schemas.openxmlformats.org/officeDocument/2006/math">
                     <m:oMathParaPr>
@@ -8487,7 +8808,7 @@
             </p:txBody>
           </p:sp>
         </mc:Choice>
-        <mc:Fallback>
+        <mc:Fallback xmlns="">
           <p:sp>
             <p:nvSpPr>
               <p:cNvPr id="37" name="Rectangle 36">
@@ -9145,7 +9466,7 @@
 </p:sld>
 </file>
 
-<file path=ppt/slides/slide14.xml><?xml version="1.0" encoding="utf-8"?>
+<file path=ppt/slides/slide15.xml><?xml version="1.0" encoding="utf-8"?>
 <p:sld xmlns:a="http://schemas.openxmlformats.org/drawingml/2006/main" xmlns:r="http://schemas.openxmlformats.org/officeDocument/2006/relationships" xmlns:p="http://schemas.openxmlformats.org/presentationml/2006/main">
   <p:cSld>
     <p:spTree>
@@ -9162,8 +9483,8 @@
           <a:chExt cx="0" cy="0"/>
         </a:xfrm>
       </p:grpSpPr>
-      <mc:AlternateContent xmlns:mc="http://schemas.openxmlformats.org/markup-compatibility/2006">
-        <mc:Choice xmlns:a14="http://schemas.microsoft.com/office/drawing/2010/main" Requires="a14">
+      <mc:AlternateContent xmlns:mc="http://schemas.openxmlformats.org/markup-compatibility/2006" xmlns:a14="http://schemas.microsoft.com/office/drawing/2010/main">
+        <mc:Choice Requires="a14">
           <p:sp>
             <p:nvSpPr>
               <p:cNvPr id="3" name="Content Placeholder 2">
@@ -9304,7 +9625,7 @@
             </p:txBody>
           </p:sp>
         </mc:Choice>
-        <mc:Fallback>
+        <mc:Fallback xmlns="">
           <p:sp>
             <p:nvSpPr>
               <p:cNvPr id="3" name="Content Placeholder 2">
@@ -9348,8 +9669,8 @@
           </p:sp>
         </mc:Fallback>
       </mc:AlternateContent>
-      <mc:AlternateContent xmlns:mc="http://schemas.openxmlformats.org/markup-compatibility/2006">
-        <mc:Choice xmlns:a14="http://schemas.microsoft.com/office/drawing/2010/main" Requires="a14">
+      <mc:AlternateContent xmlns:mc="http://schemas.openxmlformats.org/markup-compatibility/2006" xmlns:a14="http://schemas.microsoft.com/office/drawing/2010/main">
+        <mc:Choice Requires="a14">
           <p:sp>
             <p:nvSpPr>
               <p:cNvPr id="4" name="Rectangle 3">
@@ -9377,6 +9698,7 @@
               </a:bodyPr>
               <a:lstStyle/>
               <a:p>
+                <a:pPr/>
                 <a14:m>
                   <m:oMathPara xmlns:m="http://schemas.openxmlformats.org/officeDocument/2006/math">
                     <m:oMathParaPr>
@@ -9445,13 +9767,7 @@
                             <a:rPr lang="en-US" sz="2400" i="1">
                               <a:latin typeface="Cambria Math" panose="02040503050406030204" pitchFamily="18" charset="0"/>
                             </a:rPr>
-                            <m:t>≤</m:t>
-                          </m:r>
-                          <m:r>
-                            <a:rPr lang="en-US" sz="2400" i="1">
-                              <a:latin typeface="Cambria Math" panose="02040503050406030204" pitchFamily="18" charset="0"/>
-                            </a:rPr>
-                            <m:t>5</m:t>
+                            <m:t>≤5</m:t>
                           </m:r>
                         </m:e>
                       </m:d>
@@ -9493,6 +9809,7 @@
                 </a:endParaRPr>
               </a:p>
               <a:p>
+                <a:pPr/>
                 <a14:m>
                   <m:oMathPara xmlns:m="http://schemas.openxmlformats.org/officeDocument/2006/math">
                     <m:oMathParaPr>
@@ -9536,13 +9853,7 @@
                             <a:rPr lang="en-US" sz="2400" i="1">
                               <a:latin typeface="Cambria Math" panose="02040503050406030204" pitchFamily="18" charset="0"/>
                             </a:rPr>
-                            <m:t>≤−</m:t>
-                          </m:r>
-                          <m:r>
-                            <a:rPr lang="en-US" sz="2400" i="1">
-                              <a:latin typeface="Cambria Math" panose="02040503050406030204" pitchFamily="18" charset="0"/>
-                            </a:rPr>
-                            <m:t>2</m:t>
+                            <m:t>≤−2</m:t>
                           </m:r>
                         </m:e>
                       </m:d>
@@ -9560,6 +9871,7 @@
                 </a:endParaRPr>
               </a:p>
               <a:p>
+                <a:pPr/>
                 <a14:m>
                   <m:oMathPara xmlns:m="http://schemas.openxmlformats.org/officeDocument/2006/math">
                     <m:oMathParaPr>
@@ -9615,6 +9927,7 @@
                 </a:endParaRPr>
               </a:p>
               <a:p>
+                <a:pPr/>
                 <a14:m>
                   <m:oMathPara xmlns:m="http://schemas.openxmlformats.org/officeDocument/2006/math">
                     <m:oMathParaPr>
@@ -9652,13 +9965,7 @@
                             <a:rPr lang="en-US" sz="2400" i="1">
                               <a:latin typeface="Cambria Math" panose="02040503050406030204" pitchFamily="18" charset="0"/>
                             </a:rPr>
-                            <m:t>≤</m:t>
-                          </m:r>
-                          <m:r>
-                            <a:rPr lang="en-US" sz="2400" i="1">
-                              <a:latin typeface="Cambria Math" panose="02040503050406030204" pitchFamily="18" charset="0"/>
-                            </a:rPr>
-                            <m:t>2</m:t>
+                            <m:t>≤2</m:t>
                           </m:r>
                         </m:e>
                       </m:d>
@@ -9666,13 +9973,7 @@
                         <a:rPr lang="en-US" sz="2400" i="1">
                           <a:latin typeface="Cambria Math" panose="02040503050406030204" pitchFamily="18" charset="0"/>
                         </a:rPr>
-                        <m:t>∧</m:t>
-                      </m:r>
-                      <m:r>
-                        <a:rPr lang="en-US" sz="2400" i="1">
-                          <a:latin typeface="Cambria Math" panose="02040503050406030204" pitchFamily="18" charset="0"/>
-                        </a:rPr>
-                        <m:t>(</m:t>
+                        <m:t>∧(</m:t>
                       </m:r>
                       <m:r>
                         <a:rPr lang="en-US" sz="2400" i="1">
@@ -9706,6 +10007,7 @@
                 </a:endParaRPr>
               </a:p>
               <a:p>
+                <a:pPr/>
                 <a14:m>
                   <m:oMathPara xmlns:m="http://schemas.openxmlformats.org/officeDocument/2006/math">
                     <m:oMathParaPr>
@@ -9740,22 +10042,7 @@
                         <a:rPr lang="en-US" sz="2400" i="1">
                           <a:latin typeface="Cambria Math" panose="02040503050406030204" pitchFamily="18" charset="0"/>
                         </a:rPr>
-                        <m:t>≤</m:t>
-                      </m:r>
-                      <m:r>
-                        <a:rPr lang="en-US" sz="2400" i="1">
-                          <a:solidFill>
-                            <a:srgbClr val="FF0000"/>
-                          </a:solidFill>
-                          <a:latin typeface="Cambria Math" panose="02040503050406030204" pitchFamily="18" charset="0"/>
-                        </a:rPr>
-                        <m:t>−1</m:t>
-                      </m:r>
-                      <m:r>
-                        <a:rPr lang="en-US" sz="2400" i="1">
-                          <a:latin typeface="Cambria Math" panose="02040503050406030204" pitchFamily="18" charset="0"/>
-                        </a:rPr>
-                        <m:t>)</m:t>
+                        <m:t>≤−1)</m:t>
                       </m:r>
                     </m:oMath>
                   </m:oMathPara>
@@ -9765,7 +10052,7 @@
             </p:txBody>
           </p:sp>
         </mc:Choice>
-        <mc:Fallback>
+        <mc:Fallback xmlns="">
           <p:sp>
             <p:nvSpPr>
               <p:cNvPr id="4" name="Rectangle 3">
@@ -9810,8 +10097,8 @@
           </p:sp>
         </mc:Fallback>
       </mc:AlternateContent>
-      <mc:AlternateContent xmlns:mc="http://schemas.openxmlformats.org/markup-compatibility/2006">
-        <mc:Choice xmlns:a14="http://schemas.microsoft.com/office/drawing/2010/main" Requires="a14">
+      <mc:AlternateContent xmlns:mc="http://schemas.openxmlformats.org/markup-compatibility/2006" xmlns:a14="http://schemas.microsoft.com/office/drawing/2010/main">
+        <mc:Choice Requires="a14">
           <p:sp>
             <p:nvSpPr>
               <p:cNvPr id="5" name="Oval 4">
@@ -9872,7 +10159,7 @@
             </p:txBody>
           </p:sp>
         </mc:Choice>
-        <mc:Fallback>
+        <mc:Fallback xmlns="">
           <p:sp>
             <p:nvSpPr>
               <p:cNvPr id="5" name="Oval 4">
@@ -9917,8 +10204,8 @@
           </p:sp>
         </mc:Fallback>
       </mc:AlternateContent>
-      <mc:AlternateContent xmlns:mc="http://schemas.openxmlformats.org/markup-compatibility/2006">
-        <mc:Choice xmlns:a14="http://schemas.microsoft.com/office/drawing/2010/main" Requires="a14">
+      <mc:AlternateContent xmlns:mc="http://schemas.openxmlformats.org/markup-compatibility/2006" xmlns:a14="http://schemas.microsoft.com/office/drawing/2010/main">
+        <mc:Choice Requires="a14">
           <p:sp>
             <p:nvSpPr>
               <p:cNvPr id="6" name="Oval 5">
@@ -9979,7 +10266,7 @@
             </p:txBody>
           </p:sp>
         </mc:Choice>
-        <mc:Fallback>
+        <mc:Fallback xmlns="">
           <p:sp>
             <p:nvSpPr>
               <p:cNvPr id="6" name="Oval 5">
@@ -10024,8 +10311,8 @@
           </p:sp>
         </mc:Fallback>
       </mc:AlternateContent>
-      <mc:AlternateContent xmlns:mc="http://schemas.openxmlformats.org/markup-compatibility/2006">
-        <mc:Choice xmlns:a14="http://schemas.microsoft.com/office/drawing/2010/main" Requires="a14">
+      <mc:AlternateContent xmlns:mc="http://schemas.openxmlformats.org/markup-compatibility/2006" xmlns:a14="http://schemas.microsoft.com/office/drawing/2010/main">
+        <mc:Choice Requires="a14">
           <p:sp>
             <p:nvSpPr>
               <p:cNvPr id="7" name="Oval 6">
@@ -10086,7 +10373,7 @@
             </p:txBody>
           </p:sp>
         </mc:Choice>
-        <mc:Fallback>
+        <mc:Fallback xmlns="">
           <p:sp>
             <p:nvSpPr>
               <p:cNvPr id="7" name="Oval 6">
@@ -10131,8 +10418,8 @@
           </p:sp>
         </mc:Fallback>
       </mc:AlternateContent>
-      <mc:AlternateContent xmlns:mc="http://schemas.openxmlformats.org/markup-compatibility/2006">
-        <mc:Choice xmlns:a14="http://schemas.microsoft.com/office/drawing/2010/main" Requires="a14">
+      <mc:AlternateContent xmlns:mc="http://schemas.openxmlformats.org/markup-compatibility/2006" xmlns:a14="http://schemas.microsoft.com/office/drawing/2010/main">
+        <mc:Choice Requires="a14">
           <p:sp>
             <p:nvSpPr>
               <p:cNvPr id="8" name="Oval 7">
@@ -10193,7 +10480,7 @@
             </p:txBody>
           </p:sp>
         </mc:Choice>
-        <mc:Fallback>
+        <mc:Fallback xmlns="">
           <p:sp>
             <p:nvSpPr>
               <p:cNvPr id="8" name="Oval 7">
@@ -10466,8 +10753,8 @@
           </a:fontRef>
         </p:style>
       </p:cxnSp>
-      <mc:AlternateContent xmlns:mc="http://schemas.openxmlformats.org/markup-compatibility/2006">
-        <mc:Choice xmlns:a14="http://schemas.microsoft.com/office/drawing/2010/main" Requires="a14">
+      <mc:AlternateContent xmlns:mc="http://schemas.openxmlformats.org/markup-compatibility/2006" xmlns:a14="http://schemas.microsoft.com/office/drawing/2010/main">
+        <mc:Choice Requires="a14">
           <p:sp>
             <p:nvSpPr>
               <p:cNvPr id="24" name="Rectangle 23">
@@ -10495,6 +10782,7 @@
               </a:bodyPr>
               <a:lstStyle/>
               <a:p>
+                <a:pPr/>
                 <a14:m>
                   <m:oMathPara xmlns:m="http://schemas.openxmlformats.org/officeDocument/2006/math">
                     <m:oMathParaPr>
@@ -10515,7 +10803,7 @@
             </p:txBody>
           </p:sp>
         </mc:Choice>
-        <mc:Fallback>
+        <mc:Fallback xmlns="">
           <p:sp>
             <p:nvSpPr>
               <p:cNvPr id="24" name="Rectangle 23">
@@ -10560,8 +10848,8 @@
           </p:sp>
         </mc:Fallback>
       </mc:AlternateContent>
-      <mc:AlternateContent xmlns:mc="http://schemas.openxmlformats.org/markup-compatibility/2006">
-        <mc:Choice xmlns:a14="http://schemas.microsoft.com/office/drawing/2010/main" Requires="a14">
+      <mc:AlternateContent xmlns:mc="http://schemas.openxmlformats.org/markup-compatibility/2006" xmlns:a14="http://schemas.microsoft.com/office/drawing/2010/main">
+        <mc:Choice Requires="a14">
           <p:sp>
             <p:nvSpPr>
               <p:cNvPr id="25" name="Rectangle 24">
@@ -10589,6 +10877,7 @@
               </a:bodyPr>
               <a:lstStyle/>
               <a:p>
+                <a:pPr/>
                 <a14:m>
                   <m:oMathPara xmlns:m="http://schemas.openxmlformats.org/officeDocument/2006/math">
                     <m:oMathParaPr>
@@ -10615,7 +10904,7 @@
             </p:txBody>
           </p:sp>
         </mc:Choice>
-        <mc:Fallback>
+        <mc:Fallback xmlns="">
           <p:sp>
             <p:nvSpPr>
               <p:cNvPr id="25" name="Rectangle 24">
@@ -10660,8 +10949,8 @@
           </p:sp>
         </mc:Fallback>
       </mc:AlternateContent>
-      <mc:AlternateContent xmlns:mc="http://schemas.openxmlformats.org/markup-compatibility/2006">
-        <mc:Choice xmlns:a14="http://schemas.microsoft.com/office/drawing/2010/main" Requires="a14">
+      <mc:AlternateContent xmlns:mc="http://schemas.openxmlformats.org/markup-compatibility/2006" xmlns:a14="http://schemas.microsoft.com/office/drawing/2010/main">
+        <mc:Choice Requires="a14">
           <p:sp>
             <p:nvSpPr>
               <p:cNvPr id="26" name="Rectangle 25">
@@ -10689,6 +10978,7 @@
               </a:bodyPr>
               <a:lstStyle/>
               <a:p>
+                <a:pPr/>
                 <a14:m>
                   <m:oMathPara xmlns:m="http://schemas.openxmlformats.org/officeDocument/2006/math">
                     <m:oMathParaPr>
@@ -10709,7 +10999,7 @@
             </p:txBody>
           </p:sp>
         </mc:Choice>
-        <mc:Fallback>
+        <mc:Fallback xmlns="">
           <p:sp>
             <p:nvSpPr>
               <p:cNvPr id="26" name="Rectangle 25">
@@ -10802,8 +11092,8 @@
           </a:fontRef>
         </p:style>
       </p:cxnSp>
-      <mc:AlternateContent xmlns:mc="http://schemas.openxmlformats.org/markup-compatibility/2006">
-        <mc:Choice xmlns:a14="http://schemas.microsoft.com/office/drawing/2010/main" Requires="a14">
+      <mc:AlternateContent xmlns:mc="http://schemas.openxmlformats.org/markup-compatibility/2006" xmlns:a14="http://schemas.microsoft.com/office/drawing/2010/main">
+        <mc:Choice Requires="a14">
           <p:sp>
             <p:nvSpPr>
               <p:cNvPr id="30" name="Rectangle 29">
@@ -10831,6 +11121,7 @@
               </a:bodyPr>
               <a:lstStyle/>
               <a:p>
+                <a:pPr/>
                 <a14:m>
                   <m:oMathPara xmlns:m="http://schemas.openxmlformats.org/officeDocument/2006/math">
                     <m:oMathParaPr>
@@ -10851,7 +11142,7 @@
             </p:txBody>
           </p:sp>
         </mc:Choice>
-        <mc:Fallback>
+        <mc:Fallback xmlns="">
           <p:sp>
             <p:nvSpPr>
               <p:cNvPr id="30" name="Rectangle 29">
@@ -10896,8 +11187,8 @@
           </p:sp>
         </mc:Fallback>
       </mc:AlternateContent>
-      <mc:AlternateContent xmlns:mc="http://schemas.openxmlformats.org/markup-compatibility/2006">
-        <mc:Choice xmlns:a14="http://schemas.microsoft.com/office/drawing/2010/main" Requires="a14">
+      <mc:AlternateContent xmlns:mc="http://schemas.openxmlformats.org/markup-compatibility/2006" xmlns:a14="http://schemas.microsoft.com/office/drawing/2010/main">
+        <mc:Choice Requires="a14">
           <p:sp>
             <p:nvSpPr>
               <p:cNvPr id="31" name="Rectangle 30">
@@ -10925,6 +11216,7 @@
               </a:bodyPr>
               <a:lstStyle/>
               <a:p>
+                <a:pPr/>
                 <a14:m>
                   <m:oMathPara xmlns:m="http://schemas.openxmlformats.org/officeDocument/2006/math">
                     <m:oMathParaPr>
@@ -10945,7 +11237,7 @@
             </p:txBody>
           </p:sp>
         </mc:Choice>
-        <mc:Fallback>
+        <mc:Fallback xmlns="">
           <p:sp>
             <p:nvSpPr>
               <p:cNvPr id="31" name="Rectangle 30">
@@ -11038,8 +11330,8 @@
           </a:fontRef>
         </p:style>
       </p:cxnSp>
-      <mc:AlternateContent xmlns:mc="http://schemas.openxmlformats.org/markup-compatibility/2006">
-        <mc:Choice xmlns:a14="http://schemas.microsoft.com/office/drawing/2010/main" Requires="a14">
+      <mc:AlternateContent xmlns:mc="http://schemas.openxmlformats.org/markup-compatibility/2006" xmlns:a14="http://schemas.microsoft.com/office/drawing/2010/main">
+        <mc:Choice Requires="a14">
           <p:sp>
             <p:nvSpPr>
               <p:cNvPr id="36" name="Rectangle 35">
@@ -11067,6 +11359,7 @@
               </a:bodyPr>
               <a:lstStyle/>
               <a:p>
+                <a:pPr/>
                 <a14:m>
                   <m:oMathPara xmlns:m="http://schemas.openxmlformats.org/officeDocument/2006/math">
                     <m:oMathParaPr>
@@ -11087,7 +11380,7 @@
             </p:txBody>
           </p:sp>
         </mc:Choice>
-        <mc:Fallback>
+        <mc:Fallback xmlns="">
           <p:sp>
             <p:nvSpPr>
               <p:cNvPr id="36" name="Rectangle 35">
@@ -11132,8 +11425,8 @@
           </p:sp>
         </mc:Fallback>
       </mc:AlternateContent>
-      <mc:AlternateContent xmlns:mc="http://schemas.openxmlformats.org/markup-compatibility/2006">
-        <mc:Choice xmlns:a14="http://schemas.microsoft.com/office/drawing/2010/main" Requires="a14">
+      <mc:AlternateContent xmlns:mc="http://schemas.openxmlformats.org/markup-compatibility/2006" xmlns:a14="http://schemas.microsoft.com/office/drawing/2010/main">
+        <mc:Choice Requires="a14">
           <p:sp>
             <p:nvSpPr>
               <p:cNvPr id="37" name="Rectangle 36">
@@ -11161,6 +11454,7 @@
               </a:bodyPr>
               <a:lstStyle/>
               <a:p>
+                <a:pPr/>
                 <a14:m>
                   <m:oMathPara xmlns:m="http://schemas.openxmlformats.org/officeDocument/2006/math">
                     <m:oMathParaPr>
@@ -11181,7 +11475,7 @@
             </p:txBody>
           </p:sp>
         </mc:Choice>
-        <mc:Fallback>
+        <mc:Fallback xmlns="">
           <p:sp>
             <p:nvSpPr>
               <p:cNvPr id="37" name="Rectangle 36">
@@ -11226,8 +11520,8 @@
           </p:sp>
         </mc:Fallback>
       </mc:AlternateContent>
-      <mc:AlternateContent xmlns:mc="http://schemas.openxmlformats.org/markup-compatibility/2006">
-        <mc:Choice xmlns:a14="http://schemas.microsoft.com/office/drawing/2010/main" Requires="a14">
+      <mc:AlternateContent xmlns:mc="http://schemas.openxmlformats.org/markup-compatibility/2006" xmlns:a14="http://schemas.microsoft.com/office/drawing/2010/main">
+        <mc:Choice Requires="a14">
           <p:sp>
             <p:nvSpPr>
               <p:cNvPr id="22" name="Content Placeholder 2">
@@ -11454,7 +11748,7 @@
                     <m:sSub>
                       <m:sSubPr>
                         <m:ctrlPr>
-                          <a:rPr lang="en-US" b="0" i="0" smtClean="0">
+                          <a:rPr lang="en-US" b="0" i="1" smtClean="0">
                             <a:latin typeface="Cambria Math" panose="02040503050406030204" pitchFamily="18" charset="0"/>
                           </a:rPr>
                         </m:ctrlPr>
@@ -11516,7 +11810,7 @@
             </p:txBody>
           </p:sp>
         </mc:Choice>
-        <mc:Fallback>
+        <mc:Fallback xmlns="">
           <p:sp>
             <p:nvSpPr>
               <p:cNvPr id="22" name="Content Placeholder 2">
@@ -11574,7 +11868,7 @@
 </p:sld>
 </file>
 
-<file path=ppt/slides/slide15.xml><?xml version="1.0" encoding="utf-8"?>
+<file path=ppt/slides/slide16.xml><?xml version="1.0" encoding="utf-8"?>
 <p:sld xmlns:a="http://schemas.openxmlformats.org/drawingml/2006/main" xmlns:r="http://schemas.openxmlformats.org/officeDocument/2006/relationships" xmlns:p="http://schemas.openxmlformats.org/presentationml/2006/main">
   <p:cSld>
     <p:spTree>
@@ -11619,8 +11913,8 @@
           </a:p>
         </p:txBody>
       </p:sp>
-      <mc:AlternateContent xmlns:mc="http://schemas.openxmlformats.org/markup-compatibility/2006">
-        <mc:Choice xmlns:a14="http://schemas.microsoft.com/office/drawing/2010/main" Requires="a14">
+      <mc:AlternateContent xmlns:mc="http://schemas.openxmlformats.org/markup-compatibility/2006" xmlns:a14="http://schemas.microsoft.com/office/drawing/2010/main">
+        <mc:Choice Requires="a14">
           <p:sp>
             <p:nvSpPr>
               <p:cNvPr id="3" name="Content Placeholder 2">
@@ -12500,7 +12794,7 @@
             </p:txBody>
           </p:sp>
         </mc:Choice>
-        <mc:Fallback>
+        <mc:Fallback xmlns="">
           <p:sp>
             <p:nvSpPr>
               <p:cNvPr id="3" name="Content Placeholder 2">
@@ -12832,7 +13126,7 @@
 </p:sld>
 </file>
 
-<file path=ppt/slides/slide16.xml><?xml version="1.0" encoding="utf-8"?>
+<file path=ppt/slides/slide17.xml><?xml version="1.0" encoding="utf-8"?>
 <p:sld xmlns:a="http://schemas.openxmlformats.org/drawingml/2006/main" xmlns:r="http://schemas.openxmlformats.org/officeDocument/2006/relationships" xmlns:p="http://schemas.openxmlformats.org/presentationml/2006/main">
   <p:cSld>
     <p:spTree>
@@ -12877,8 +13171,8 @@
           </a:p>
         </p:txBody>
       </p:sp>
-      <mc:AlternateContent xmlns:mc="http://schemas.openxmlformats.org/markup-compatibility/2006">
-        <mc:Choice xmlns:a14="http://schemas.microsoft.com/office/drawing/2010/main" Requires="a14">
+      <mc:AlternateContent xmlns:mc="http://schemas.openxmlformats.org/markup-compatibility/2006" xmlns:a14="http://schemas.microsoft.com/office/drawing/2010/main">
+        <mc:Choice Requires="a14">
           <p:sp>
             <p:nvSpPr>
               <p:cNvPr id="3" name="Content Placeholder 2">
@@ -14265,7 +14559,7 @@
             </p:txBody>
           </p:sp>
         </mc:Choice>
-        <mc:Fallback>
+        <mc:Fallback xmlns="">
           <p:sp>
             <p:nvSpPr>
               <p:cNvPr id="3" name="Content Placeholder 2">
@@ -14548,7 +14842,7 @@
 </p:sld>
 </file>
 
-<file path=ppt/slides/slide17.xml><?xml version="1.0" encoding="utf-8"?>
+<file path=ppt/slides/slide18.xml><?xml version="1.0" encoding="utf-8"?>
 <p:sld xmlns:a="http://schemas.openxmlformats.org/drawingml/2006/main" xmlns:r="http://schemas.openxmlformats.org/officeDocument/2006/relationships" xmlns:p="http://schemas.openxmlformats.org/presentationml/2006/main">
   <p:cSld>
     <p:spTree>
@@ -15669,8 +15963,8 @@
           </a:p>
         </p:txBody>
       </p:sp>
-      <mc:AlternateContent xmlns:mc="http://schemas.openxmlformats.org/markup-compatibility/2006">
-        <mc:Choice xmlns:a14="http://schemas.microsoft.com/office/drawing/2010/main" Requires="a14">
+      <mc:AlternateContent xmlns:mc="http://schemas.openxmlformats.org/markup-compatibility/2006" xmlns:a14="http://schemas.microsoft.com/office/drawing/2010/main">
+        <mc:Choice Requires="a14">
           <p:sp>
             <p:nvSpPr>
               <p:cNvPr id="3" name="TextBox 2">
@@ -15699,6 +15993,7 @@
               </a:bodyPr>
               <a:lstStyle/>
               <a:p>
+                <a:pPr/>
                 <a14:m>
                   <m:oMathPara xmlns:m="http://schemas.openxmlformats.org/officeDocument/2006/math">
                     <m:oMathParaPr>
@@ -15900,7 +16195,7 @@
             </p:txBody>
           </p:sp>
         </mc:Choice>
-        <mc:Fallback>
+        <mc:Fallback xmlns="">
           <p:sp>
             <p:nvSpPr>
               <p:cNvPr id="3" name="TextBox 2">
@@ -15945,8 +16240,8 @@
           </p:sp>
         </mc:Fallback>
       </mc:AlternateContent>
-      <mc:AlternateContent xmlns:mc="http://schemas.openxmlformats.org/markup-compatibility/2006">
-        <mc:Choice xmlns:a14="http://schemas.microsoft.com/office/drawing/2010/main" Requires="a14">
+      <mc:AlternateContent xmlns:mc="http://schemas.openxmlformats.org/markup-compatibility/2006" xmlns:a14="http://schemas.microsoft.com/office/drawing/2010/main">
+        <mc:Choice Requires="a14">
           <p:sp>
             <p:nvSpPr>
               <p:cNvPr id="25" name="TextBox 24">
@@ -16027,7 +16322,7 @@
             </p:txBody>
           </p:sp>
         </mc:Choice>
-        <mc:Fallback>
+        <mc:Fallback xmlns="">
           <p:sp>
             <p:nvSpPr>
               <p:cNvPr id="25" name="TextBox 24">
@@ -16085,7 +16380,7 @@
 </p:sld>
 </file>
 
-<file path=ppt/slides/slide18.xml><?xml version="1.0" encoding="utf-8"?>
+<file path=ppt/slides/slide19.xml><?xml version="1.0" encoding="utf-8"?>
 <p:sld xmlns:a="http://schemas.openxmlformats.org/drawingml/2006/main" xmlns:r="http://schemas.openxmlformats.org/officeDocument/2006/relationships" xmlns:p="http://schemas.openxmlformats.org/presentationml/2006/main">
   <p:cSld>
     <p:spTree>
@@ -16102,8 +16397,8 @@
           <a:chExt cx="0" cy="0"/>
         </a:xfrm>
       </p:grpSpPr>
-      <mc:AlternateContent xmlns:mc="http://schemas.openxmlformats.org/markup-compatibility/2006">
-        <mc:Choice xmlns:a14="http://schemas.microsoft.com/office/drawing/2010/main" Requires="a14">
+      <mc:AlternateContent xmlns:mc="http://schemas.openxmlformats.org/markup-compatibility/2006" xmlns:a14="http://schemas.microsoft.com/office/drawing/2010/main">
+        <mc:Choice Requires="a14">
           <p:sp>
             <p:nvSpPr>
               <p:cNvPr id="4" name="Content Placeholder 3">
@@ -16590,13 +16885,7 @@
                       <a:rPr lang="en-US" sz="2400" i="1">
                         <a:latin typeface="Cambria Math" panose="02040503050406030204" pitchFamily="18" charset="0"/>
                       </a:rPr>
-                      <m:t>,</m:t>
-                    </m:r>
-                    <m:r>
-                      <a:rPr lang="en-US" sz="2400" i="1">
-                        <a:latin typeface="Cambria Math" panose="02040503050406030204" pitchFamily="18" charset="0"/>
-                      </a:rPr>
-                      <m:t> </m:t>
+                      <m:t>, </m:t>
                     </m:r>
                   </m:oMath>
                 </a14:m>
@@ -16853,19 +17142,7 @@
                       <a:rPr lang="en-US" sz="2400" i="1">
                         <a:latin typeface="Cambria Math" panose="02040503050406030204" pitchFamily="18" charset="0"/>
                       </a:rPr>
-                      <m:t>3</m:t>
-                    </m:r>
-                    <m:r>
-                      <a:rPr lang="en-US" sz="2400" i="1">
-                        <a:latin typeface="Cambria Math" panose="02040503050406030204" pitchFamily="18" charset="0"/>
-                      </a:rPr>
-                      <m:t>,</m:t>
-                    </m:r>
-                    <m:r>
-                      <a:rPr lang="en-US" sz="2400" i="1">
-                        <a:latin typeface="Cambria Math" panose="02040503050406030204" pitchFamily="18" charset="0"/>
-                      </a:rPr>
-                      <m:t> </m:t>
+                      <m:t>3, </m:t>
                     </m:r>
                   </m:oMath>
                 </a14:m>
@@ -17127,13 +17404,7 @@
                       <a:rPr lang="en-US" sz="2400" i="1">
                         <a:latin typeface="Cambria Math" panose="02040503050406030204" pitchFamily="18" charset="0"/>
                       </a:rPr>
-                      <m:t> </m:t>
-                    </m:r>
-                    <m:r>
-                      <a:rPr lang="en-US" sz="2400" i="1">
-                        <a:latin typeface="Cambria Math" panose="02040503050406030204" pitchFamily="18" charset="0"/>
-                      </a:rPr>
-                      <m:t>,</m:t>
+                      <m:t> ,</m:t>
                     </m:r>
                     <m:acc>
                       <m:accPr>
@@ -17263,7 +17534,7 @@
             </p:txBody>
           </p:sp>
         </mc:Choice>
-        <mc:Fallback>
+        <mc:Fallback xmlns="">
           <p:sp>
             <p:nvSpPr>
               <p:cNvPr id="4" name="Content Placeholder 3">
@@ -20412,7 +20683,119 @@
 </p:sld>
 </file>
 
-<file path=ppt/slides/slide19.xml><?xml version="1.0" encoding="utf-8"?>
+<file path=ppt/slides/slide2.xml><?xml version="1.0" encoding="utf-8"?>
+<p:sld xmlns:a="http://schemas.openxmlformats.org/drawingml/2006/main" xmlns:r="http://schemas.openxmlformats.org/officeDocument/2006/relationships" xmlns:p="http://schemas.openxmlformats.org/presentationml/2006/main">
+  <p:cSld>
+    <p:spTree>
+      <p:nvGrpSpPr>
+        <p:cNvPr id="1" name=""/>
+        <p:cNvGrpSpPr/>
+        <p:nvPr/>
+      </p:nvGrpSpPr>
+      <p:grpSpPr>
+        <a:xfrm>
+          <a:off x="0" y="0"/>
+          <a:ext cx="0" cy="0"/>
+          <a:chOff x="0" y="0"/>
+          <a:chExt cx="0" cy="0"/>
+        </a:xfrm>
+      </p:grpSpPr>
+      <p:sp>
+        <p:nvSpPr>
+          <p:cNvPr id="2" name="Title 1">
+            <a:extLst>
+              <a:ext uri="{FF2B5EF4-FFF2-40B4-BE49-F238E27FC236}">
+                <a16:creationId xmlns:a16="http://schemas.microsoft.com/office/drawing/2014/main" id="{CFD47F69-2EE5-614D-B986-F7ED4D1C1604}"/>
+              </a:ext>
+            </a:extLst>
+          </p:cNvPr>
+          <p:cNvSpPr>
+            <a:spLocks noGrp="1"/>
+          </p:cNvSpPr>
+          <p:nvPr>
+            <p:ph type="title"/>
+          </p:nvPr>
+        </p:nvSpPr>
+        <p:spPr/>
+        <p:txBody>
+          <a:bodyPr/>
+          <a:lstStyle/>
+          <a:p>
+            <a:r>
+              <a:rPr lang="en-US" dirty="0"/>
+              <a:t>Today</a:t>
+            </a:r>
+          </a:p>
+        </p:txBody>
+      </p:sp>
+      <p:sp>
+        <p:nvSpPr>
+          <p:cNvPr id="3" name="Content Placeholder 2">
+            <a:extLst>
+              <a:ext uri="{FF2B5EF4-FFF2-40B4-BE49-F238E27FC236}">
+                <a16:creationId xmlns:a16="http://schemas.microsoft.com/office/drawing/2014/main" id="{22135B30-D24F-CA4A-8725-D01B0AAA0D0C}"/>
+              </a:ext>
+            </a:extLst>
+          </p:cNvPr>
+          <p:cNvSpPr>
+            <a:spLocks noGrp="1"/>
+          </p:cNvSpPr>
+          <p:nvPr>
+            <p:ph idx="1"/>
+          </p:nvPr>
+        </p:nvSpPr>
+        <p:spPr/>
+        <p:txBody>
+          <a:bodyPr/>
+          <a:lstStyle/>
+          <a:p>
+            <a:r>
+              <a:rPr lang="en-US" dirty="0"/>
+              <a:t>Satisfiability modulo theories (SMT)</a:t>
+            </a:r>
+          </a:p>
+          <a:p>
+            <a:pPr lvl="1"/>
+            <a:r>
+              <a:rPr lang="en-US" dirty="0"/>
+              <a:t>Theories, models, decision procedures</a:t>
+            </a:r>
+          </a:p>
+          <a:p>
+            <a:pPr lvl="1"/>
+            <a:r>
+              <a:rPr lang="en-US" dirty="0"/>
+              <a:t>Examples</a:t>
+            </a:r>
+          </a:p>
+          <a:p>
+            <a:r>
+              <a:rPr lang="en-US" dirty="0"/>
+              <a:t>Brief z3 tutorial (see notebook)</a:t>
+            </a:r>
+          </a:p>
+          <a:p>
+            <a:endParaRPr lang="en-US" dirty="0"/>
+          </a:p>
+          <a:p>
+            <a:endParaRPr lang="en-US" dirty="0"/>
+          </a:p>
+        </p:txBody>
+      </p:sp>
+    </p:spTree>
+    <p:extLst>
+      <p:ext uri="{BB962C8B-B14F-4D97-AF65-F5344CB8AC3E}">
+        <p14:creationId xmlns:p14="http://schemas.microsoft.com/office/powerpoint/2010/main" val="1065231929"/>
+      </p:ext>
+    </p:extLst>
+  </p:cSld>
+  <p:clrMapOvr>
+    <a:masterClrMapping/>
+  </p:clrMapOvr>
+</p:sld>
+</file>
+
+<file path=ppt/slides/slide20.xml><?xml version="1.0" encoding="utf-8"?>
 <p:sld xmlns:a="http://schemas.openxmlformats.org/drawingml/2006/main" xmlns:r="http://schemas.openxmlformats.org/officeDocument/2006/relationships" xmlns:p="http://schemas.openxmlformats.org/presentationml/2006/main">
   <p:cSld>
     <p:spTree>
@@ -20500,9 +20883,38 @@
             <a:endParaRPr lang="en-US" dirty="0"/>
           </a:p>
           <a:p>
+            <a:pPr marL="0" indent="0">
+              <a:buNone/>
+            </a:pPr>
             <a:r>
-              <a:rPr lang="en-US"/>
-              <a:t>Read chapter 4</a:t>
+              <a:rPr lang="en-US" dirty="0"/>
+              <a:t>Readings </a:t>
+            </a:r>
+          </a:p>
+          <a:p>
+            <a:r>
+              <a:rPr lang="en-US" dirty="0"/>
+              <a:t>Chapter 7.5.3 of </a:t>
+            </a:r>
+            <a:r>
+              <a:rPr lang="en-US" dirty="0" err="1"/>
+              <a:t>CPSBook</a:t>
+            </a:r>
+            <a:r>
+              <a:rPr lang="en-US" dirty="0"/>
+              <a:t> on using SAT/SMT for verification</a:t>
+            </a:r>
+          </a:p>
+          <a:p>
+            <a:r>
+              <a:rPr lang="en-US" dirty="0"/>
+              <a:t>Read chapter 4 for next week</a:t>
+            </a:r>
+          </a:p>
+          <a:p>
+            <a:r>
+              <a:rPr lang="en-US" dirty="0"/>
+              <a:t>Reading more about decision procedures</a:t>
             </a:r>
           </a:p>
           <a:p>
@@ -20510,6 +20922,36 @@
           </a:p>
         </p:txBody>
       </p:sp>
+      <p:pic>
+        <p:nvPicPr>
+          <p:cNvPr id="4" name="Picture 3">
+            <a:extLst>
+              <a:ext uri="{FF2B5EF4-FFF2-40B4-BE49-F238E27FC236}">
+                <a16:creationId xmlns:a16="http://schemas.microsoft.com/office/drawing/2014/main" id="{B30CDFD6-7E46-584F-9745-059E7F12A5E4}"/>
+              </a:ext>
+            </a:extLst>
+          </p:cNvPr>
+          <p:cNvPicPr>
+            <a:picLocks noChangeAspect="1"/>
+          </p:cNvPicPr>
+          <p:nvPr/>
+        </p:nvPicPr>
+        <p:blipFill>
+          <a:blip r:embed="rId3"/>
+          <a:stretch>
+            <a:fillRect/>
+          </a:stretch>
+        </p:blipFill>
+        <p:spPr>
+          <a:xfrm>
+            <a:off x="9662057" y="4242216"/>
+            <a:ext cx="1581480" cy="2505491"/>
+          </a:xfrm>
+          <a:prstGeom prst="rect">
+            <a:avLst/>
+          </a:prstGeom>
+        </p:spPr>
+      </p:pic>
     </p:spTree>
     <p:extLst>
       <p:ext uri="{BB962C8B-B14F-4D97-AF65-F5344CB8AC3E}">
@@ -20523,7 +20965,7 @@
 </p:sld>
 </file>
 
-<file path=ppt/slides/slide2.xml><?xml version="1.0" encoding="utf-8"?>
+<file path=ppt/slides/slide3.xml><?xml version="1.0" encoding="utf-8"?>
 <p:sld xmlns:a="http://schemas.openxmlformats.org/drawingml/2006/main" xmlns:r="http://schemas.openxmlformats.org/officeDocument/2006/relationships" xmlns:p="http://schemas.openxmlformats.org/presentationml/2006/main">
   <p:cSld>
     <p:spTree>
@@ -21507,7 +21949,7 @@
 </p:sld>
 </file>
 
-<file path=ppt/slides/slide3.xml><?xml version="1.0" encoding="utf-8"?>
+<file path=ppt/slides/slide4.xml><?xml version="1.0" encoding="utf-8"?>
 <p:sld xmlns:a="http://schemas.openxmlformats.org/drawingml/2006/main" xmlns:r="http://schemas.openxmlformats.org/officeDocument/2006/relationships" xmlns:p="http://schemas.openxmlformats.org/presentationml/2006/main">
   <p:cSld>
     <p:spTree>
@@ -23077,7 +23519,7 @@
 </p:sld>
 </file>
 
-<file path=ppt/slides/slide4.xml><?xml version="1.0" encoding="utf-8"?>
+<file path=ppt/slides/slide5.xml><?xml version="1.0" encoding="utf-8"?>
 <p:sld xmlns:a="http://schemas.openxmlformats.org/drawingml/2006/main" xmlns:r="http://schemas.openxmlformats.org/officeDocument/2006/relationships" xmlns:p="http://schemas.openxmlformats.org/presentationml/2006/main">
   <p:cSld>
     <p:spTree>
@@ -23094,8 +23536,8 @@
           <a:chExt cx="0" cy="0"/>
         </a:xfrm>
       </p:grpSpPr>
-      <mc:AlternateContent xmlns:mc="http://schemas.openxmlformats.org/markup-compatibility/2006">
-        <mc:Choice xmlns:a14="http://schemas.microsoft.com/office/drawing/2010/main" Requires="a14">
+      <mc:AlternateContent xmlns:mc="http://schemas.openxmlformats.org/markup-compatibility/2006" xmlns:a14="http://schemas.microsoft.com/office/drawing/2010/main">
+        <mc:Choice Requires="a14">
           <p:sp>
             <p:nvSpPr>
               <p:cNvPr id="4" name="Title 3">
@@ -23150,7 +23592,7 @@
             </p:txBody>
           </p:sp>
         </mc:Choice>
-        <mc:Fallback>
+        <mc:Fallback xmlns="">
           <p:sp>
             <p:nvSpPr>
               <p:cNvPr id="4" name="Title 3">
@@ -23231,7 +23673,7 @@
 </p:sld>
 </file>
 
-<file path=ppt/slides/slide5.xml><?xml version="1.0" encoding="utf-8"?>
+<file path=ppt/slides/slide6.xml><?xml version="1.0" encoding="utf-8"?>
 <p:sld xmlns:a="http://schemas.openxmlformats.org/drawingml/2006/main" xmlns:r="http://schemas.openxmlformats.org/officeDocument/2006/relationships" xmlns:p="http://schemas.openxmlformats.org/presentationml/2006/main">
   <p:cSld>
     <p:spTree>
@@ -23498,7 +23940,7 @@
 </p:sld>
 </file>
 
-<file path=ppt/slides/slide6.xml><?xml version="1.0" encoding="utf-8"?>
+<file path=ppt/slides/slide7.xml><?xml version="1.0" encoding="utf-8"?>
 <p:sld xmlns:a="http://schemas.openxmlformats.org/drawingml/2006/main" xmlns:r="http://schemas.openxmlformats.org/officeDocument/2006/relationships" xmlns:p="http://schemas.openxmlformats.org/presentationml/2006/main">
   <p:cSld>
     <p:spTree>
@@ -23548,8 +23990,8 @@
           </a:p>
         </p:txBody>
       </p:sp>
-      <mc:AlternateContent xmlns:mc="http://schemas.openxmlformats.org/markup-compatibility/2006">
-        <mc:Choice xmlns:a14="http://schemas.microsoft.com/office/drawing/2010/main" Requires="a14">
+      <mc:AlternateContent xmlns:mc="http://schemas.openxmlformats.org/markup-compatibility/2006" xmlns:a14="http://schemas.microsoft.com/office/drawing/2010/main">
+        <mc:Choice Requires="a14">
           <p:sp>
             <p:nvSpPr>
               <p:cNvPr id="3" name="Content Placeholder 2">
@@ -24439,7 +24881,7 @@
             </p:txBody>
           </p:sp>
         </mc:Choice>
-        <mc:Fallback>
+        <mc:Fallback xmlns="">
           <p:sp>
             <p:nvSpPr>
               <p:cNvPr id="3" name="Content Placeholder 2">
@@ -24483,8 +24925,8 @@
           </p:sp>
         </mc:Fallback>
       </mc:AlternateContent>
-      <mc:AlternateContent xmlns:mc="http://schemas.openxmlformats.org/markup-compatibility/2006">
-        <mc:Choice xmlns:a14="http://schemas.microsoft.com/office/drawing/2010/main" Requires="a14">
+      <mc:AlternateContent xmlns:mc="http://schemas.openxmlformats.org/markup-compatibility/2006" xmlns:a14="http://schemas.microsoft.com/office/drawing/2010/main">
+        <mc:Choice Requires="a14">
           <p:sp>
             <p:nvSpPr>
               <p:cNvPr id="5" name="Content Placeholder 4">
@@ -24977,7 +25419,7 @@
             </p:txBody>
           </p:sp>
         </mc:Choice>
-        <mc:Fallback>
+        <mc:Fallback xmlns="">
           <p:sp>
             <p:nvSpPr>
               <p:cNvPr id="5" name="Content Placeholder 4">
@@ -25848,7 +26290,7 @@
 </p:sld>
 </file>
 
-<file path=ppt/slides/slide7.xml><?xml version="1.0" encoding="utf-8"?>
+<file path=ppt/slides/slide8.xml><?xml version="1.0" encoding="utf-8"?>
 <p:sld xmlns:a="http://schemas.openxmlformats.org/drawingml/2006/main" xmlns:r="http://schemas.openxmlformats.org/officeDocument/2006/relationships" xmlns:p="http://schemas.openxmlformats.org/presentationml/2006/main">
   <p:cSld>
     <p:spTree>
@@ -25898,8 +26340,8 @@
           </a:p>
         </p:txBody>
       </p:sp>
-      <mc:AlternateContent xmlns:mc="http://schemas.openxmlformats.org/markup-compatibility/2006">
-        <mc:Choice xmlns:a14="http://schemas.microsoft.com/office/drawing/2010/main" Requires="a14">
+      <mc:AlternateContent xmlns:mc="http://schemas.openxmlformats.org/markup-compatibility/2006" xmlns:a14="http://schemas.microsoft.com/office/drawing/2010/main">
+        <mc:Choice Requires="a14">
           <p:sp>
             <p:nvSpPr>
               <p:cNvPr id="3" name="Content Placeholder 2">
@@ -27022,7 +27464,7 @@
             </p:txBody>
           </p:sp>
         </mc:Choice>
-        <mc:Fallback>
+        <mc:Fallback xmlns="">
           <p:sp>
             <p:nvSpPr>
               <p:cNvPr id="3" name="Content Placeholder 2">
@@ -27066,8 +27508,8 @@
           </p:sp>
         </mc:Fallback>
       </mc:AlternateContent>
-      <mc:AlternateContent xmlns:mc="http://schemas.openxmlformats.org/markup-compatibility/2006">
-        <mc:Choice xmlns:a14="http://schemas.microsoft.com/office/drawing/2010/main" Requires="a14">
+      <mc:AlternateContent xmlns:mc="http://schemas.openxmlformats.org/markup-compatibility/2006" xmlns:a14="http://schemas.microsoft.com/office/drawing/2010/main">
+        <mc:Choice Requires="a14">
           <p:sp>
             <p:nvSpPr>
               <p:cNvPr id="4" name="Content Placeholder 3">
@@ -27550,7 +27992,7 @@
             </p:txBody>
           </p:sp>
         </mc:Choice>
-        <mc:Fallback>
+        <mc:Fallback xmlns="">
           <p:sp>
             <p:nvSpPr>
               <p:cNvPr id="4" name="Content Placeholder 3">
@@ -28594,7 +29036,7 @@
 </p:sld>
 </file>
 
-<file path=ppt/slides/slide8.xml><?xml version="1.0" encoding="utf-8"?>
+<file path=ppt/slides/slide9.xml><?xml version="1.0" encoding="utf-8"?>
 <p:sld xmlns:a="http://schemas.openxmlformats.org/drawingml/2006/main" xmlns:r="http://schemas.openxmlformats.org/officeDocument/2006/relationships" xmlns:p="http://schemas.openxmlformats.org/presentationml/2006/main">
   <p:cSld>
     <p:spTree>
@@ -28639,8 +29081,8 @@
           </a:p>
         </p:txBody>
       </p:sp>
-      <mc:AlternateContent xmlns:mc="http://schemas.openxmlformats.org/markup-compatibility/2006">
-        <mc:Choice xmlns:a14="http://schemas.microsoft.com/office/drawing/2010/main" Requires="a14">
+      <mc:AlternateContent xmlns:mc="http://schemas.openxmlformats.org/markup-compatibility/2006" xmlns:a14="http://schemas.microsoft.com/office/drawing/2010/main">
+        <mc:Choice Requires="a14">
           <p:sp>
             <p:nvSpPr>
               <p:cNvPr id="5" name="Content Placeholder 4">
@@ -28994,7 +29436,7 @@
                     <m:d>
                       <m:dPr>
                         <m:ctrlPr>
-                          <a:rPr lang="en-US" sz="1800" b="0" i="0" smtClean="0">
+                          <a:rPr lang="en-US" sz="1800" b="0" i="1" smtClean="0">
                             <a:latin typeface="Cambria Math" panose="02040503050406030204" pitchFamily="18" charset="0"/>
                           </a:rPr>
                         </m:ctrlPr>
@@ -29311,7 +29753,7 @@
             </p:txBody>
           </p:sp>
         </mc:Choice>
-        <mc:Fallback>
+        <mc:Fallback xmlns="">
           <p:sp>
             <p:nvSpPr>
               <p:cNvPr id="5" name="Content Placeholder 4">
@@ -29355,8 +29797,8 @@
           </p:sp>
         </mc:Fallback>
       </mc:AlternateContent>
-      <mc:AlternateContent xmlns:mc="http://schemas.openxmlformats.org/markup-compatibility/2006">
-        <mc:Choice xmlns:a14="http://schemas.microsoft.com/office/drawing/2010/main" Requires="a14">
+      <mc:AlternateContent xmlns:mc="http://schemas.openxmlformats.org/markup-compatibility/2006" xmlns:a14="http://schemas.microsoft.com/office/drawing/2010/main">
+        <mc:Choice Requires="a14">
           <p:sp>
             <p:nvSpPr>
               <p:cNvPr id="6" name="Content Placeholder 5">
@@ -29709,7 +30151,7 @@
             </p:txBody>
           </p:sp>
         </mc:Choice>
-        <mc:Fallback>
+        <mc:Fallback xmlns="">
           <p:sp>
             <p:nvSpPr>
               <p:cNvPr id="6" name="Content Placeholder 5">
@@ -29753,8 +30195,8 @@
           </p:sp>
         </mc:Fallback>
       </mc:AlternateContent>
-      <mc:AlternateContent xmlns:mc="http://schemas.openxmlformats.org/markup-compatibility/2006">
-        <mc:Choice xmlns:a14="http://schemas.microsoft.com/office/drawing/2010/main" Requires="a14">
+      <mc:AlternateContent xmlns:mc="http://schemas.openxmlformats.org/markup-compatibility/2006" xmlns:a14="http://schemas.microsoft.com/office/drawing/2010/main">
+        <mc:Choice Requires="a14">
           <p:graphicFrame>
             <p:nvGraphicFramePr>
               <p:cNvPr id="7" name="Table 6">
@@ -29871,6 +30313,7 @@
                         <a:bodyPr/>
                         <a:lstStyle/>
                         <a:p>
+                          <a:pPr/>
                           <a14:m>
                             <m:oMathPara xmlns:m="http://schemas.openxmlformats.org/officeDocument/2006/math">
                               <m:oMathParaPr>
@@ -29903,6 +30346,7 @@
                         <a:bodyPr/>
                         <a:lstStyle/>
                         <a:p>
+                          <a:pPr/>
                           <a14:m>
                             <m:oMathPara xmlns:m="http://schemas.openxmlformats.org/officeDocument/2006/math">
                               <m:oMathParaPr>
@@ -29935,6 +30379,7 @@
                         <a:bodyPr/>
                         <a:lstStyle/>
                         <a:p>
+                          <a:pPr/>
                           <a14:m>
                             <m:oMathPara xmlns:m="http://schemas.openxmlformats.org/officeDocument/2006/math">
                               <m:oMathParaPr>
@@ -29974,6 +30419,7 @@
                         <a:bodyPr/>
                         <a:lstStyle/>
                         <a:p>
+                          <a:pPr/>
                           <a14:m>
                             <m:oMathPara xmlns:m="http://schemas.openxmlformats.org/officeDocument/2006/math">
                               <m:oMathParaPr>
@@ -30005,6 +30451,7 @@
                         <a:bodyPr/>
                         <a:lstStyle/>
                         <a:p>
+                          <a:pPr/>
                           <a14:m>
                             <m:oMathPara xmlns:m="http://schemas.openxmlformats.org/officeDocument/2006/math">
                               <m:oMathParaPr>
@@ -30030,6 +30477,7 @@
                         <a:bodyPr/>
                         <a:lstStyle/>
                         <a:p>
+                          <a:pPr/>
                           <a14:m>
                             <m:oMathPara xmlns:m="http://schemas.openxmlformats.org/officeDocument/2006/math">
                               <m:oMathParaPr>
@@ -30055,6 +30503,7 @@
                         <a:bodyPr/>
                         <a:lstStyle/>
                         <a:p>
+                          <a:pPr/>
                           <a14:m>
                             <m:oMathPara xmlns:m="http://schemas.openxmlformats.org/officeDocument/2006/math">
                               <m:oMathParaPr>
@@ -30087,6 +30536,7 @@
                         <a:bodyPr/>
                         <a:lstStyle/>
                         <a:p>
+                          <a:pPr/>
                           <a14:m>
                             <m:oMathPara xmlns:m="http://schemas.openxmlformats.org/officeDocument/2006/math">
                               <m:oMathParaPr>
@@ -30118,6 +30568,7 @@
                         <a:bodyPr/>
                         <a:lstStyle/>
                         <a:p>
+                          <a:pPr/>
                           <a14:m>
                             <m:oMathPara xmlns:m="http://schemas.openxmlformats.org/officeDocument/2006/math">
                               <m:oMathParaPr>
@@ -30143,6 +30594,7 @@
                         <a:bodyPr/>
                         <a:lstStyle/>
                         <a:p>
+                          <a:pPr/>
                           <a14:m>
                             <m:oMathPara xmlns:m="http://schemas.openxmlformats.org/officeDocument/2006/math">
                               <m:oMathParaPr>
@@ -30168,6 +30620,7 @@
                         <a:bodyPr/>
                         <a:lstStyle/>
                         <a:p>
+                          <a:pPr/>
                           <a14:m>
                             <m:oMathPara xmlns:m="http://schemas.openxmlformats.org/officeDocument/2006/math">
                               <m:oMathParaPr>
@@ -30200,6 +30653,7 @@
                         <a:bodyPr/>
                         <a:lstStyle/>
                         <a:p>
+                          <a:pPr/>
                           <a14:m>
                             <m:oMathPara xmlns:m="http://schemas.openxmlformats.org/officeDocument/2006/math">
                               <m:oMathParaPr>
@@ -30231,6 +30685,7 @@
                         <a:bodyPr/>
                         <a:lstStyle/>
                         <a:p>
+                          <a:pPr/>
                           <a14:m>
                             <m:oMathPara xmlns:m="http://schemas.openxmlformats.org/officeDocument/2006/math">
                               <m:oMathParaPr>
@@ -30256,6 +30711,7 @@
                         <a:bodyPr/>
                         <a:lstStyle/>
                         <a:p>
+                          <a:pPr/>
                           <a14:m>
                             <m:oMathPara xmlns:m="http://schemas.openxmlformats.org/officeDocument/2006/math">
                               <m:oMathParaPr>
@@ -30281,6 +30737,7 @@
                         <a:bodyPr/>
                         <a:lstStyle/>
                         <a:p>
+                          <a:pPr/>
                           <a14:m>
                             <m:oMathPara xmlns:m="http://schemas.openxmlformats.org/officeDocument/2006/math">
                               <m:oMathParaPr>
@@ -30312,7 +30769,7 @@
             </a:graphic>
           </p:graphicFrame>
         </mc:Choice>
-        <mc:Fallback>
+        <mc:Fallback xmlns="">
           <p:graphicFrame>
             <p:nvGraphicFramePr>
               <p:cNvPr id="7" name="Table 6">
@@ -30679,8 +31136,8 @@
           </p:graphicFrame>
         </mc:Fallback>
       </mc:AlternateContent>
-      <mc:AlternateContent xmlns:mc="http://schemas.openxmlformats.org/markup-compatibility/2006">
-        <mc:Choice xmlns:a14="http://schemas.microsoft.com/office/drawing/2010/main" Requires="a14">
+      <mc:AlternateContent xmlns:mc="http://schemas.openxmlformats.org/markup-compatibility/2006" xmlns:a14="http://schemas.microsoft.com/office/drawing/2010/main">
+        <mc:Choice Requires="a14">
           <p:sp>
             <p:nvSpPr>
               <p:cNvPr id="8" name="Content Placeholder 5">
@@ -31448,7 +31905,7 @@
             </p:txBody>
           </p:sp>
         </mc:Choice>
-        <mc:Fallback>
+        <mc:Fallback xmlns="">
           <p:sp>
             <p:nvSpPr>
               <p:cNvPr id="8" name="Content Placeholder 5">
@@ -31491,6 +31948,57 @@
               </a:p>
             </p:txBody>
           </p:sp>
+        </mc:Fallback>
+      </mc:AlternateContent>
+      <mc:AlternateContent xmlns:mc="http://schemas.openxmlformats.org/markup-compatibility/2006" xmlns:p14="http://schemas.microsoft.com/office/powerpoint/2010/main">
+        <mc:Choice Requires="p14">
+          <p:contentPart p14:bwMode="auto" r:id="rId6">
+            <p14:nvContentPartPr>
+              <p14:cNvPr id="9" name="Ink 8">
+                <a:extLst>
+                  <a:ext uri="{FF2B5EF4-FFF2-40B4-BE49-F238E27FC236}">
+                    <a16:creationId xmlns:a16="http://schemas.microsoft.com/office/drawing/2014/main" id="{D41BC097-5B06-D84B-932B-03BBE830BA37}"/>
+                  </a:ext>
+                </a:extLst>
+              </p14:cNvPr>
+              <p14:cNvContentPartPr/>
+              <p14:nvPr/>
+            </p14:nvContentPartPr>
+            <p14:xfrm>
+              <a:off x="8477280" y="2819520"/>
+              <a:ext cx="705240" cy="152640"/>
+            </p14:xfrm>
+          </p:contentPart>
+        </mc:Choice>
+        <mc:Fallback xmlns="">
+          <p:pic>
+            <p:nvPicPr>
+              <p:cNvPr id="9" name="Ink 8">
+                <a:extLst>
+                  <a:ext uri="{FF2B5EF4-FFF2-40B4-BE49-F238E27FC236}">
+                    <a16:creationId xmlns:a16="http://schemas.microsoft.com/office/drawing/2014/main" id="{D41BC097-5B06-D84B-932B-03BBE830BA37}"/>
+                  </a:ext>
+                </a:extLst>
+              </p:cNvPr>
+              <p:cNvPicPr/>
+              <p:nvPr/>
+            </p:nvPicPr>
+            <p:blipFill>
+              <a:blip r:embed="rId7"/>
+              <a:stretch>
+                <a:fillRect/>
+              </a:stretch>
+            </p:blipFill>
+            <p:spPr>
+              <a:xfrm>
+                <a:off x="8467920" y="2810160"/>
+                <a:ext cx="723960" cy="171360"/>
+              </a:xfrm>
+              <a:prstGeom prst="rect">
+                <a:avLst/>
+              </a:prstGeom>
+            </p:spPr>
+          </p:pic>
         </mc:Fallback>
       </mc:AlternateContent>
     </p:spTree>
@@ -32417,330 +32925,6 @@
 </p:sld>
 </file>
 
-<file path=ppt/slides/slide9.xml><?xml version="1.0" encoding="utf-8"?>
-<p:sld xmlns:a="http://schemas.openxmlformats.org/drawingml/2006/main" xmlns:r="http://schemas.openxmlformats.org/officeDocument/2006/relationships" xmlns:p="http://schemas.openxmlformats.org/presentationml/2006/main">
-  <p:cSld>
-    <p:spTree>
-      <p:nvGrpSpPr>
-        <p:cNvPr id="1" name=""/>
-        <p:cNvGrpSpPr/>
-        <p:nvPr/>
-      </p:nvGrpSpPr>
-      <p:grpSpPr>
-        <a:xfrm>
-          <a:off x="0" y="0"/>
-          <a:ext cx="0" cy="0"/>
-          <a:chOff x="0" y="0"/>
-          <a:chExt cx="0" cy="0"/>
-        </a:xfrm>
-      </p:grpSpPr>
-      <p:sp>
-        <p:nvSpPr>
-          <p:cNvPr id="2" name="Title 1">
-            <a:extLst>
-              <a:ext uri="{FF2B5EF4-FFF2-40B4-BE49-F238E27FC236}">
-                <a16:creationId xmlns:a16="http://schemas.microsoft.com/office/drawing/2014/main" id="{E14980E5-CAB5-1D4F-BEC2-BB06A103BBB1}"/>
-              </a:ext>
-            </a:extLst>
-          </p:cNvPr>
-          <p:cNvSpPr>
-            <a:spLocks noGrp="1"/>
-          </p:cNvSpPr>
-          <p:nvPr>
-            <p:ph type="title"/>
-          </p:nvPr>
-        </p:nvSpPr>
-        <p:spPr/>
-        <p:txBody>
-          <a:bodyPr/>
-          <a:lstStyle/>
-          <a:p>
-            <a:r>
-              <a:rPr lang="en-US" dirty="0"/>
-              <a:t>Decision procedures</a:t>
-            </a:r>
-          </a:p>
-        </p:txBody>
-      </p:sp>
-      <mc:AlternateContent xmlns:mc="http://schemas.openxmlformats.org/markup-compatibility/2006">
-        <mc:Choice xmlns:a14="http://schemas.microsoft.com/office/drawing/2010/main" Requires="a14">
-          <p:sp>
-            <p:nvSpPr>
-              <p:cNvPr id="5" name="Content Placeholder 4">
-                <a:extLst>
-                  <a:ext uri="{FF2B5EF4-FFF2-40B4-BE49-F238E27FC236}">
-                    <a16:creationId xmlns:a16="http://schemas.microsoft.com/office/drawing/2014/main" id="{92EC3F36-BB7C-7E4E-8EFA-162BE7C9E3F0}"/>
-                  </a:ext>
-                </a:extLst>
-              </p:cNvPr>
-              <p:cNvSpPr>
-                <a:spLocks noGrp="1"/>
-              </p:cNvSpPr>
-              <p:nvPr>
-                <p:ph idx="1"/>
-              </p:nvPr>
-            </p:nvSpPr>
-            <p:spPr/>
-            <p:txBody>
-              <a:bodyPr/>
-              <a:lstStyle/>
-              <a:p>
-                <a:pPr marL="0" indent="0">
-                  <a:buNone/>
-                </a:pPr>
-                <a:r>
-                  <a:rPr lang="en-US" dirty="0"/>
-                  <a:t>Given a theory </a:t>
-                </a:r>
-                <a14:m>
-                  <m:oMath xmlns:m="http://schemas.openxmlformats.org/officeDocument/2006/math">
-                    <m:r>
-                      <a:rPr lang="en-US" b="0" i="1" smtClean="0">
-                        <a:latin typeface="Cambria Math" panose="02040503050406030204" pitchFamily="18" charset="0"/>
-                      </a:rPr>
-                      <m:t>𝑇</m:t>
-                    </m:r>
-                  </m:oMath>
-                </a14:m>
-                <a:r>
-                  <a:rPr lang="en-US" dirty="0"/>
-                  <a:t> a </a:t>
-                </a:r>
-                <a:r>
-                  <a:rPr lang="en-US" dirty="0">
-                    <a:solidFill>
-                      <a:srgbClr val="0070C0"/>
-                    </a:solidFill>
-                  </a:rPr>
-                  <a:t>theory solver or a decision procedure </a:t>
-                </a:r>
-                <a:r>
-                  <a:rPr lang="en-US" dirty="0"/>
-                  <a:t>for </a:t>
-                </a:r>
-                <a14:m>
-                  <m:oMath xmlns:m="http://schemas.openxmlformats.org/officeDocument/2006/math">
-                    <m:r>
-                      <a:rPr lang="en-US" b="0" i="1" smtClean="0">
-                        <a:latin typeface="Cambria Math" panose="02040503050406030204" pitchFamily="18" charset="0"/>
-                      </a:rPr>
-                      <m:t>𝑇</m:t>
-                    </m:r>
-                  </m:oMath>
-                </a14:m>
-                <a:r>
-                  <a:rPr lang="en-US" dirty="0"/>
-                  <a:t> takes as input a </a:t>
-                </a:r>
-                <a:r>
-                  <a:rPr lang="en-US" dirty="0">
-                    <a:solidFill>
-                      <a:schemeClr val="tx1"/>
-                    </a:solidFill>
-                  </a:rPr>
-                  <a:t>set of </a:t>
-                </a:r>
-                <a:r>
-                  <a:rPr lang="en-US" dirty="0">
-                    <a:solidFill>
-                      <a:schemeClr val="accent2">
-                        <a:lumMod val="75000"/>
-                      </a:schemeClr>
-                    </a:solidFill>
-                  </a:rPr>
-                  <a:t>literals</a:t>
-                </a:r>
-                <a:r>
-                  <a:rPr lang="en-US" dirty="0">
-                    <a:solidFill>
-                      <a:schemeClr val="tx1"/>
-                    </a:solidFill>
-                  </a:rPr>
-                  <a:t> </a:t>
-                </a:r>
-                <a14:m>
-                  <m:oMath xmlns:m="http://schemas.openxmlformats.org/officeDocument/2006/math">
-                    <m:r>
-                      <a:rPr lang="en-US" b="0" i="1" smtClean="0">
-                        <a:solidFill>
-                          <a:schemeClr val="tx1"/>
-                        </a:solidFill>
-                        <a:latin typeface="Cambria Math" panose="02040503050406030204" pitchFamily="18" charset="0"/>
-                      </a:rPr>
-                      <m:t>𝜙</m:t>
-                    </m:r>
-                  </m:oMath>
-                </a14:m>
-                <a:r>
-                  <a:rPr lang="en-US" dirty="0">
-                    <a:solidFill>
-                      <a:schemeClr val="tx1"/>
-                    </a:solidFill>
-                  </a:rPr>
-                  <a:t> (atomic propositions in CNF) </a:t>
-                </a:r>
-                <a:r>
-                  <a:rPr lang="en-US" dirty="0"/>
-                  <a:t>and determines whether </a:t>
-                </a:r>
-                <a14:m>
-                  <m:oMath xmlns:m="http://schemas.openxmlformats.org/officeDocument/2006/math">
-                    <m:r>
-                      <a:rPr lang="en-US" b="0" i="1" smtClean="0">
-                        <a:latin typeface="Cambria Math" panose="02040503050406030204" pitchFamily="18" charset="0"/>
-                      </a:rPr>
-                      <m:t>𝜙</m:t>
-                    </m:r>
-                  </m:oMath>
-                </a14:m>
-                <a:r>
-                  <a:rPr lang="en-US" dirty="0"/>
-                  <a:t> is </a:t>
-                </a:r>
-                <a14:m>
-                  <m:oMath xmlns:m="http://schemas.openxmlformats.org/officeDocument/2006/math">
-                    <m:r>
-                      <a:rPr lang="en-US" b="0" i="1" smtClean="0">
-                        <a:solidFill>
-                          <a:srgbClr val="00B0F0"/>
-                        </a:solidFill>
-                        <a:latin typeface="Cambria Math" panose="02040503050406030204" pitchFamily="18" charset="0"/>
-                      </a:rPr>
-                      <m:t>𝑇</m:t>
-                    </m:r>
-                  </m:oMath>
-                </a14:m>
-                <a:r>
-                  <a:rPr lang="en-US" dirty="0">
-                    <a:solidFill>
-                      <a:srgbClr val="00B0F0"/>
-                    </a:solidFill>
-                  </a:rPr>
-                  <a:t>-satisfiable</a:t>
-                </a:r>
-                <a:r>
-                  <a:rPr lang="en-US" dirty="0"/>
-                  <a:t>, that is, </a:t>
-                </a:r>
-              </a:p>
-              <a:p>
-                <a:pPr marL="0" indent="0">
-                  <a:buNone/>
-                </a:pPr>
-                <a14:m>
-                  <m:oMath xmlns:m="http://schemas.openxmlformats.org/officeDocument/2006/math">
-                    <m:r>
-                      <a:rPr lang="en-US" b="0" i="1" smtClean="0">
-                        <a:latin typeface="Cambria Math" panose="02040503050406030204" pitchFamily="18" charset="0"/>
-                      </a:rPr>
-                      <m:t>∃</m:t>
-                    </m:r>
-                  </m:oMath>
-                </a14:m>
-                <a:r>
-                  <a:rPr lang="en-US" dirty="0"/>
-                  <a:t> a model </a:t>
-                </a:r>
-                <a14:m>
-                  <m:oMath xmlns:m="http://schemas.openxmlformats.org/officeDocument/2006/math">
-                    <m:r>
-                      <a:rPr lang="en-US" i="1">
-                        <a:latin typeface="Cambria Math" panose="02040503050406030204" pitchFamily="18" charset="0"/>
-                      </a:rPr>
-                      <m:t>𝑀</m:t>
-                    </m:r>
-                  </m:oMath>
-                </a14:m>
-                <a:r>
-                  <a:rPr lang="en-US" dirty="0"/>
-                  <a:t> such that </a:t>
-                </a:r>
-                <a14:m>
-                  <m:oMath xmlns:m="http://schemas.openxmlformats.org/officeDocument/2006/math">
-                    <m:r>
-                      <a:rPr lang="en-US" i="1">
-                        <a:latin typeface="Cambria Math" panose="02040503050406030204" pitchFamily="18" charset="0"/>
-                      </a:rPr>
-                      <m:t>𝑀</m:t>
-                    </m:r>
-                    <m:r>
-                      <a:rPr lang="en-US" b="0" i="1" smtClean="0">
-                        <a:latin typeface="Cambria Math" panose="02040503050406030204" pitchFamily="18" charset="0"/>
-                      </a:rPr>
-                      <m:t>⊨</m:t>
-                    </m:r>
-                    <m:r>
-                      <a:rPr lang="en-US" b="0" i="1" smtClean="0">
-                        <a:latin typeface="Cambria Math" panose="02040503050406030204" pitchFamily="18" charset="0"/>
-                      </a:rPr>
-                      <m:t>𝜙</m:t>
-                    </m:r>
-                    <m:r>
-                      <a:rPr lang="en-US" b="0" i="1" smtClean="0">
-                        <a:latin typeface="Cambria Math" panose="02040503050406030204" pitchFamily="18" charset="0"/>
-                      </a:rPr>
-                      <m:t>?</m:t>
-                    </m:r>
-                  </m:oMath>
-                </a14:m>
-                <a:endParaRPr lang="en-US" dirty="0"/>
-              </a:p>
-            </p:txBody>
-          </p:sp>
-        </mc:Choice>
-        <mc:Fallback>
-          <p:sp>
-            <p:nvSpPr>
-              <p:cNvPr id="5" name="Content Placeholder 4">
-                <a:extLst>
-                  <a:ext uri="{FF2B5EF4-FFF2-40B4-BE49-F238E27FC236}">
-                    <a16:creationId xmlns:a16="http://schemas.microsoft.com/office/drawing/2014/main" id="{92EC3F36-BB7C-7E4E-8EFA-162BE7C9E3F0}"/>
-                  </a:ext>
-                </a:extLst>
-              </p:cNvPr>
-              <p:cNvSpPr>
-                <a:spLocks noGrp="1" noRot="1" noChangeAspect="1" noMove="1" noResize="1" noEditPoints="1" noAdjustHandles="1" noChangeArrowheads="1" noChangeShapeType="1" noTextEdit="1"/>
-              </p:cNvSpPr>
-              <p:nvPr>
-                <p:ph idx="1"/>
-              </p:nvPr>
-            </p:nvSpPr>
-            <p:spPr>
-              <a:blipFill>
-                <a:blip r:embed="rId2"/>
-                <a:stretch>
-                  <a:fillRect l="-1086" t="-2632" r="-121"/>
-                </a:stretch>
-              </a:blipFill>
-            </p:spPr>
-            <p:txBody>
-              <a:bodyPr/>
-              <a:lstStyle/>
-              <a:p>
-                <a:r>
-                  <a:rPr lang="en-US">
-                    <a:noFill/>
-                  </a:rPr>
-                  <a:t> </a:t>
-                </a:r>
-              </a:p>
-            </p:txBody>
-          </p:sp>
-        </mc:Fallback>
-      </mc:AlternateContent>
-    </p:spTree>
-    <p:extLst>
-      <p:ext uri="{BB962C8B-B14F-4D97-AF65-F5344CB8AC3E}">
-        <p14:creationId xmlns:p14="http://schemas.microsoft.com/office/powerpoint/2010/main" val="4120726217"/>
-      </p:ext>
-    </p:extLst>
-  </p:cSld>
-  <p:clrMapOvr>
-    <a:masterClrMapping/>
-  </p:clrMapOvr>
-</p:sld>
-</file>
-
 <file path=ppt/theme/theme1.xml><?xml version="1.0" encoding="utf-8"?>
 <a:theme xmlns:a="http://schemas.openxmlformats.org/drawingml/2006/main" name="Office Theme">
   <a:themeElements>

--- a/Slides/smt.pptx
+++ b/Slides/smt.pptx
@@ -318,7 +318,7 @@
           <a:p>
             <a:fld id="{A5EC08F4-70F0-B94E-AB10-935034FC2DE7}" type="datetimeFigureOut">
               <a:rPr lang="en-US" smtClean="0"/>
-              <a:t>9/6/19</a:t>
+              <a:t>10/5/19</a:t>
             </a:fld>
             <a:endParaRPr lang="en-US"/>
           </a:p>
@@ -516,7 +516,7 @@
           <a:p>
             <a:fld id="{A5EC08F4-70F0-B94E-AB10-935034FC2DE7}" type="datetimeFigureOut">
               <a:rPr lang="en-US" smtClean="0"/>
-              <a:t>9/6/19</a:t>
+              <a:t>10/5/19</a:t>
             </a:fld>
             <a:endParaRPr lang="en-US"/>
           </a:p>
@@ -724,7 +724,7 @@
           <a:p>
             <a:fld id="{A5EC08F4-70F0-B94E-AB10-935034FC2DE7}" type="datetimeFigureOut">
               <a:rPr lang="en-US" smtClean="0"/>
-              <a:t>9/6/19</a:t>
+              <a:t>10/5/19</a:t>
             </a:fld>
             <a:endParaRPr lang="en-US"/>
           </a:p>
@@ -922,7 +922,7 @@
           <a:p>
             <a:fld id="{A5EC08F4-70F0-B94E-AB10-935034FC2DE7}" type="datetimeFigureOut">
               <a:rPr lang="en-US" smtClean="0"/>
-              <a:t>9/6/19</a:t>
+              <a:t>10/5/19</a:t>
             </a:fld>
             <a:endParaRPr lang="en-US"/>
           </a:p>
@@ -1197,7 +1197,7 @@
           <a:p>
             <a:fld id="{A5EC08F4-70F0-B94E-AB10-935034FC2DE7}" type="datetimeFigureOut">
               <a:rPr lang="en-US" smtClean="0"/>
-              <a:t>9/6/19</a:t>
+              <a:t>10/5/19</a:t>
             </a:fld>
             <a:endParaRPr lang="en-US"/>
           </a:p>
@@ -1462,7 +1462,7 @@
           <a:p>
             <a:fld id="{A5EC08F4-70F0-B94E-AB10-935034FC2DE7}" type="datetimeFigureOut">
               <a:rPr lang="en-US" smtClean="0"/>
-              <a:t>9/6/19</a:t>
+              <a:t>10/5/19</a:t>
             </a:fld>
             <a:endParaRPr lang="en-US"/>
           </a:p>
@@ -1874,7 +1874,7 @@
           <a:p>
             <a:fld id="{A5EC08F4-70F0-B94E-AB10-935034FC2DE7}" type="datetimeFigureOut">
               <a:rPr lang="en-US" smtClean="0"/>
-              <a:t>9/6/19</a:t>
+              <a:t>10/5/19</a:t>
             </a:fld>
             <a:endParaRPr lang="en-US"/>
           </a:p>
@@ -2015,7 +2015,7 @@
           <a:p>
             <a:fld id="{A5EC08F4-70F0-B94E-AB10-935034FC2DE7}" type="datetimeFigureOut">
               <a:rPr lang="en-US" smtClean="0"/>
-              <a:t>9/6/19</a:t>
+              <a:t>10/5/19</a:t>
             </a:fld>
             <a:endParaRPr lang="en-US"/>
           </a:p>
@@ -2128,7 +2128,7 @@
           <a:p>
             <a:fld id="{A5EC08F4-70F0-B94E-AB10-935034FC2DE7}" type="datetimeFigureOut">
               <a:rPr lang="en-US" smtClean="0"/>
-              <a:t>9/6/19</a:t>
+              <a:t>10/5/19</a:t>
             </a:fld>
             <a:endParaRPr lang="en-US"/>
           </a:p>
@@ -2439,7 +2439,7 @@
           <a:p>
             <a:fld id="{A5EC08F4-70F0-B94E-AB10-935034FC2DE7}" type="datetimeFigureOut">
               <a:rPr lang="en-US" smtClean="0"/>
-              <a:t>9/6/19</a:t>
+              <a:t>10/5/19</a:t>
             </a:fld>
             <a:endParaRPr lang="en-US"/>
           </a:p>
@@ -2727,7 +2727,7 @@
           <a:p>
             <a:fld id="{A5EC08F4-70F0-B94E-AB10-935034FC2DE7}" type="datetimeFigureOut">
               <a:rPr lang="en-US" smtClean="0"/>
-              <a:t>9/6/19</a:t>
+              <a:t>10/5/19</a:t>
             </a:fld>
             <a:endParaRPr lang="en-US"/>
           </a:p>
@@ -2968,7 +2968,7 @@
           <a:p>
             <a:fld id="{A5EC08F4-70F0-B94E-AB10-935034FC2DE7}" type="datetimeFigureOut">
               <a:rPr lang="en-US" smtClean="0"/>
-              <a:t>9/6/19</a:t>
+              <a:t>10/5/19</a:t>
             </a:fld>
             <a:endParaRPr lang="en-US"/>
           </a:p>
@@ -3460,9 +3460,12 @@
             <a:endParaRPr lang="en-US" dirty="0"/>
           </a:p>
           <a:p>
+            <a:endParaRPr lang="en-US" dirty="0"/>
+          </a:p>
+          <a:p>
             <a:r>
               <a:rPr lang="en-US" dirty="0"/>
-              <a:t>Some of the slides for this lecture are adapted from slides by Clark Barrett</a:t>
+              <a:t>Some of the slides and examples for this lecture are from Clark Barrett</a:t>
             </a:r>
           </a:p>
         </p:txBody>
@@ -3525,8 +3528,8 @@
           </a:p>
         </p:txBody>
       </p:sp>
-      <mc:AlternateContent xmlns:mc="http://schemas.openxmlformats.org/markup-compatibility/2006" xmlns:a14="http://schemas.microsoft.com/office/drawing/2010/main">
-        <mc:Choice Requires="a14">
+      <mc:AlternateContent xmlns:mc="http://schemas.openxmlformats.org/markup-compatibility/2006">
+        <mc:Choice xmlns:a14="http://schemas.microsoft.com/office/drawing/2010/main" Requires="a14">
           <p:sp>
             <p:nvSpPr>
               <p:cNvPr id="5" name="Content Placeholder 4">
@@ -3640,7 +3643,7 @@
                       <a:schemeClr val="tx1"/>
                     </a:solidFill>
                   </a:rPr>
-                  <a:t> (atomic propositions in CNF) </a:t>
+                  <a:t> (atomic propositions) </a:t>
                 </a:r>
                 <a:r>
                   <a:rPr lang="en-US" dirty="0"/>
@@ -3751,7 +3754,7 @@
             </p:txBody>
           </p:sp>
         </mc:Choice>
-        <mc:Fallback xmlns="">
+        <mc:Fallback>
           <p:sp>
             <p:nvSpPr>
               <p:cNvPr id="5" name="Content Placeholder 4">
@@ -15680,7 +15683,7 @@
         <p:spPr>
           <a:xfrm>
             <a:off x="4780857" y="2674008"/>
-            <a:ext cx="1457258" cy="830997"/>
+            <a:ext cx="1738168" cy="830997"/>
           </a:xfrm>
           <a:prstGeom prst="rect">
             <a:avLst/>
@@ -15697,7 +15700,7 @@
               <a:rPr lang="en-US" sz="1600" dirty="0">
                 <a:latin typeface="+mj-lt"/>
               </a:rPr>
-              <a:t>CNF formula in </a:t>
+              <a:t>literals/formula in </a:t>
             </a:r>
           </a:p>
           <a:p>
@@ -16397,8 +16400,8 @@
           <a:chExt cx="0" cy="0"/>
         </a:xfrm>
       </p:grpSpPr>
-      <mc:AlternateContent xmlns:mc="http://schemas.openxmlformats.org/markup-compatibility/2006" xmlns:a14="http://schemas.microsoft.com/office/drawing/2010/main">
-        <mc:Choice Requires="a14">
+      <mc:AlternateContent xmlns:mc="http://schemas.openxmlformats.org/markup-compatibility/2006">
+        <mc:Choice xmlns:a14="http://schemas.microsoft.com/office/drawing/2010/main" Requires="a14">
           <p:sp>
             <p:nvSpPr>
               <p:cNvPr id="4" name="Content Placeholder 3">
@@ -17256,7 +17259,7 @@
                 </a14:m>
                 <a:r>
                   <a:rPr lang="en-US" sz="2400" dirty="0"/>
-                  <a:t> </a:t>
+                  <a:t> 2, </a:t>
                 </a:r>
                 <a14:m>
                   <m:oMath xmlns:m="http://schemas.openxmlformats.org/officeDocument/2006/math">
@@ -17325,7 +17328,10 @@
                 <a14:m>
                   <m:oMath xmlns:m="http://schemas.openxmlformats.org/officeDocument/2006/math">
                     <m:r>
-                      <a:rPr lang="en-US" sz="2400" i="1">
+                      <a:rPr lang="en-US" sz="2400" i="1" smtClean="0">
+                        <a:solidFill>
+                          <a:srgbClr val="00B050"/>
+                        </a:solidFill>
                         <a:latin typeface="Cambria Math" panose="02040503050406030204" pitchFamily="18" charset="0"/>
                       </a:rPr>
                       <m:t>1</m:t>
@@ -17348,7 +17354,10 @@
                       <m:accPr>
                         <m:chr m:val="̅"/>
                         <m:ctrlPr>
-                          <a:rPr lang="en-US" sz="2000" i="1">
+                          <a:rPr lang="en-US" sz="2000" i="1" smtClean="0">
+                            <a:solidFill>
+                              <a:srgbClr val="FF0000"/>
+                            </a:solidFill>
                             <a:latin typeface="Cambria Math" panose="02040503050406030204" pitchFamily="18" charset="0"/>
                           </a:rPr>
                         </m:ctrlPr>
@@ -17356,6 +17365,9 @@
                       <m:e>
                         <m:r>
                           <a:rPr lang="en-US" sz="2000" i="1">
+                            <a:solidFill>
+                              <a:srgbClr val="FF0000"/>
+                            </a:solidFill>
                             <a:latin typeface="Cambria Math" panose="02040503050406030204" pitchFamily="18" charset="0"/>
                           </a:rPr>
                           <m:t>2</m:t>
@@ -17364,15 +17376,33 @@
                     </m:acc>
                     <m:r>
                       <a:rPr lang="en-US" sz="2000" i="1">
-                        <a:latin typeface="Cambria Math" panose="02040503050406030204" pitchFamily="18" charset="0"/>
-                      </a:rPr>
-                      <m:t> ∨</m:t>
+                        <a:solidFill>
+                          <a:srgbClr val="FF0000"/>
+                        </a:solidFill>
+                        <a:latin typeface="Cambria Math" panose="02040503050406030204" pitchFamily="18" charset="0"/>
+                      </a:rPr>
+                      <m:t> </m:t>
+                    </m:r>
+                    <m:r>
+                      <a:rPr lang="en-US" sz="2000" i="1">
+                        <a:latin typeface="Cambria Math" panose="02040503050406030204" pitchFamily="18" charset="0"/>
+                      </a:rPr>
+                      <m:t>∨</m:t>
+                    </m:r>
+                    <m:r>
+                      <a:rPr lang="en-US" sz="2400" i="1" smtClean="0">
+                        <a:solidFill>
+                          <a:srgbClr val="00B050"/>
+                        </a:solidFill>
+                        <a:latin typeface="Cambria Math" panose="02040503050406030204" pitchFamily="18" charset="0"/>
+                      </a:rPr>
+                      <m:t>3</m:t>
                     </m:r>
                     <m:r>
                       <a:rPr lang="en-US" sz="2400" i="1">
                         <a:latin typeface="Cambria Math" panose="02040503050406030204" pitchFamily="18" charset="0"/>
                       </a:rPr>
-                      <m:t>3, </m:t>
+                      <m:t>, </m:t>
                     </m:r>
                   </m:oMath>
                 </a14:m>
@@ -17386,7 +17416,10 @@
                       <m:accPr>
                         <m:chr m:val="̅"/>
                         <m:ctrlPr>
-                          <a:rPr lang="en-US" sz="2400" i="1">
+                          <a:rPr lang="en-US" sz="2400" i="1" smtClean="0">
+                            <a:solidFill>
+                              <a:srgbClr val="00B050"/>
+                            </a:solidFill>
                             <a:latin typeface="Cambria Math" panose="02040503050406030204" pitchFamily="18" charset="0"/>
                           </a:rPr>
                         </m:ctrlPr>
@@ -17394,6 +17427,9 @@
                       <m:e>
                         <m:r>
                           <a:rPr lang="en-US" sz="2400" i="1">
+                            <a:solidFill>
+                              <a:srgbClr val="00B050"/>
+                            </a:solidFill>
                             <a:latin typeface="Cambria Math" panose="02040503050406030204" pitchFamily="18" charset="0"/>
                           </a:rPr>
                           <m:t>4</m:t>
@@ -17402,15 +17438,27 @@
                     </m:acc>
                     <m:r>
                       <a:rPr lang="en-US" sz="2400" i="1">
-                        <a:latin typeface="Cambria Math" panose="02040503050406030204" pitchFamily="18" charset="0"/>
-                      </a:rPr>
-                      <m:t> ,</m:t>
+                        <a:solidFill>
+                          <a:srgbClr val="00B050"/>
+                        </a:solidFill>
+                        <a:latin typeface="Cambria Math" panose="02040503050406030204" pitchFamily="18" charset="0"/>
+                      </a:rPr>
+                      <m:t> </m:t>
+                    </m:r>
+                    <m:r>
+                      <a:rPr lang="en-US" sz="2400" i="1">
+                        <a:latin typeface="Cambria Math" panose="02040503050406030204" pitchFamily="18" charset="0"/>
+                      </a:rPr>
+                      <m:t>,</m:t>
                     </m:r>
                     <m:acc>
                       <m:accPr>
                         <m:chr m:val="̅"/>
                         <m:ctrlPr>
-                          <a:rPr lang="en-US" sz="2400" i="1">
+                          <a:rPr lang="en-US" sz="2400" i="1" smtClean="0">
+                            <a:solidFill>
+                              <a:srgbClr val="FF0000"/>
+                            </a:solidFill>
                             <a:latin typeface="Cambria Math" panose="02040503050406030204" pitchFamily="18" charset="0"/>
                           </a:rPr>
                         </m:ctrlPr>
@@ -17418,6 +17466,9 @@
                       <m:e>
                         <m:r>
                           <a:rPr lang="en-US" sz="2400" i="1">
+                            <a:solidFill>
+                              <a:srgbClr val="FF0000"/>
+                            </a:solidFill>
                             <a:latin typeface="Cambria Math" panose="02040503050406030204" pitchFamily="18" charset="0"/>
                           </a:rPr>
                           <m:t>1</m:t>
@@ -17428,10 +17479,28 @@
                       <a:rPr lang="en-US" sz="2400" i="1">
                         <a:latin typeface="Cambria Math" panose="02040503050406030204" pitchFamily="18" charset="0"/>
                       </a:rPr>
-                      <m:t>∨2∨</m:t>
-                    </m:r>
-                    <m:r>
-                      <a:rPr lang="en-US" i="1">
+                      <m:t>∨</m:t>
+                    </m:r>
+                    <m:r>
+                      <a:rPr lang="en-US" sz="2400" i="1" smtClean="0">
+                        <a:solidFill>
+                          <a:srgbClr val="00B050"/>
+                        </a:solidFill>
+                        <a:latin typeface="Cambria Math" panose="02040503050406030204" pitchFamily="18" charset="0"/>
+                      </a:rPr>
+                      <m:t>2</m:t>
+                    </m:r>
+                    <m:r>
+                      <a:rPr lang="en-US" sz="2400" i="1">
+                        <a:latin typeface="Cambria Math" panose="02040503050406030204" pitchFamily="18" charset="0"/>
+                      </a:rPr>
+                      <m:t>∨</m:t>
+                    </m:r>
+                    <m:r>
+                      <a:rPr lang="en-US" i="1" smtClean="0">
+                        <a:solidFill>
+                          <a:srgbClr val="FF0000"/>
+                        </a:solidFill>
                         <a:latin typeface="Cambria Math" panose="02040503050406030204" pitchFamily="18" charset="0"/>
                       </a:rPr>
                       <m:t>4</m:t>
@@ -17455,6 +17524,9 @@
                         <m:chr m:val="̅"/>
                         <m:ctrlPr>
                           <a:rPr lang="en-US" sz="2400" b="0" i="1" smtClean="0">
+                            <a:solidFill>
+                              <a:srgbClr val="FF0000"/>
+                            </a:solidFill>
                             <a:latin typeface="Cambria Math" panose="02040503050406030204" pitchFamily="18" charset="0"/>
                           </a:rPr>
                         </m:ctrlPr>
@@ -17462,9 +17534,42 @@
                       <m:e>
                         <m:r>
                           <a:rPr lang="en-US" sz="2400" b="0" i="1" smtClean="0">
+                            <a:solidFill>
+                              <a:srgbClr val="FF0000"/>
+                            </a:solidFill>
                             <a:latin typeface="Cambria Math" panose="02040503050406030204" pitchFamily="18" charset="0"/>
                           </a:rPr>
                           <m:t>1</m:t>
+                        </m:r>
+                      </m:e>
+                    </m:acc>
+                    <m:r>
+                      <a:rPr lang="en-US" sz="2400" b="0" i="1" smtClean="0">
+                        <a:latin typeface="Cambria Math" panose="02040503050406030204" pitchFamily="18" charset="0"/>
+                      </a:rPr>
+                      <m:t>∨</m:t>
+                    </m:r>
+                    <m:acc>
+                      <m:accPr>
+                        <m:chr m:val="̅"/>
+                        <m:ctrlPr>
+                          <a:rPr lang="en-US" sz="2400" i="1" smtClean="0">
+                            <a:solidFill>
+                              <a:srgbClr val="FF0000"/>
+                            </a:solidFill>
+                            <a:latin typeface="Cambria Math" panose="02040503050406030204" pitchFamily="18" charset="0"/>
+                          </a:rPr>
+                        </m:ctrlPr>
+                      </m:accPr>
+                      <m:e>
+                        <m:r>
+                          <a:rPr lang="en-US" sz="2400" b="0" i="1" smtClean="0">
+                            <a:solidFill>
+                              <a:srgbClr val="FF0000"/>
+                            </a:solidFill>
+                            <a:latin typeface="Cambria Math" panose="02040503050406030204" pitchFamily="18" charset="0"/>
+                          </a:rPr>
+                          <m:t>2</m:t>
                         </m:r>
                       </m:e>
                     </m:acc>
@@ -17514,6 +17619,9 @@
                   <m:oMath xmlns:m="http://schemas.openxmlformats.org/officeDocument/2006/math">
                     <m:r>
                       <a:rPr lang="en-US" sz="2400" b="0" i="1" smtClean="0">
+                        <a:solidFill>
+                          <a:srgbClr val="FF0000"/>
+                        </a:solidFill>
                         <a:latin typeface="Cambria Math" panose="02040503050406030204" pitchFamily="18" charset="0"/>
                       </a:rPr>
                       <m:t>4</m:t>
@@ -17534,7 +17642,7 @@
             </p:txBody>
           </p:sp>
         </mc:Choice>
-        <mc:Fallback xmlns="">
+        <mc:Fallback>
           <p:sp>
             <p:nvSpPr>
               <p:cNvPr id="4" name="Content Placeholder 3">
@@ -19761,8 +19869,8 @@
           </p:nvSpPr>
           <p:spPr>
             <a:xfrm>
-              <a:off x="4780857" y="2674008"/>
-              <a:ext cx="1441847" cy="821897"/>
+              <a:off x="4780858" y="2674008"/>
+              <a:ext cx="2320460" cy="821897"/>
             </a:xfrm>
             <a:prstGeom prst="rect">
               <a:avLst/>
@@ -19779,7 +19887,7 @@
                 <a:rPr lang="en-US" sz="1050" dirty="0">
                   <a:latin typeface="+mj-lt"/>
                 </a:rPr>
-                <a:t>CNF formula in </a:t>
+                <a:t>literals/formula in </a:t>
               </a:r>
             </a:p>
             <a:p>
@@ -20144,496 +20252,6 @@
                                         </p:cTn>
                                         <p:tgtEl>
                                           <p:spTgt spid="8"/>
-                                        </p:tgtEl>
-                                        <p:attrNameLst>
-                                          <p:attrName>style.visibility</p:attrName>
-                                        </p:attrNameLst>
-                                      </p:cBhvr>
-                                      <p:to>
-                                        <p:strVal val="visible"/>
-                                      </p:to>
-                                    </p:set>
-                                  </p:childTnLst>
-                                </p:cTn>
-                              </p:par>
-                            </p:childTnLst>
-                          </p:cTn>
-                        </p:par>
-                      </p:childTnLst>
-                    </p:cTn>
-                  </p:par>
-                  <p:par>
-                    <p:cTn id="13" fill="hold">
-                      <p:stCondLst>
-                        <p:cond delay="indefinite"/>
-                      </p:stCondLst>
-                      <p:childTnLst>
-                        <p:par>
-                          <p:cTn id="14" fill="hold">
-                            <p:stCondLst>
-                              <p:cond delay="0"/>
-                            </p:stCondLst>
-                            <p:childTnLst>
-                              <p:par>
-                                <p:cTn id="15" presetID="1" presetClass="entr" presetSubtype="0" fill="hold" nodeType="clickEffect">
-                                  <p:stCondLst>
-                                    <p:cond delay="0"/>
-                                  </p:stCondLst>
-                                  <p:childTnLst>
-                                    <p:set>
-                                      <p:cBhvr>
-                                        <p:cTn id="16" dur="1" fill="hold">
-                                          <p:stCondLst>
-                                            <p:cond delay="0"/>
-                                          </p:stCondLst>
-                                        </p:cTn>
-                                        <p:tgtEl>
-                                          <p:spTgt spid="4">
-                                            <p:txEl>
-                                              <p:pRg st="2" end="2"/>
-                                            </p:txEl>
-                                          </p:spTgt>
-                                        </p:tgtEl>
-                                        <p:attrNameLst>
-                                          <p:attrName>style.visibility</p:attrName>
-                                        </p:attrNameLst>
-                                      </p:cBhvr>
-                                      <p:to>
-                                        <p:strVal val="visible"/>
-                                      </p:to>
-                                    </p:set>
-                                  </p:childTnLst>
-                                </p:cTn>
-                              </p:par>
-                            </p:childTnLst>
-                          </p:cTn>
-                        </p:par>
-                      </p:childTnLst>
-                    </p:cTn>
-                  </p:par>
-                  <p:par>
-                    <p:cTn id="17" fill="hold">
-                      <p:stCondLst>
-                        <p:cond delay="indefinite"/>
-                      </p:stCondLst>
-                      <p:childTnLst>
-                        <p:par>
-                          <p:cTn id="18" fill="hold">
-                            <p:stCondLst>
-                              <p:cond delay="0"/>
-                            </p:stCondLst>
-                            <p:childTnLst>
-                              <p:par>
-                                <p:cTn id="19" presetID="1" presetClass="entr" presetSubtype="0" fill="hold" nodeType="clickEffect">
-                                  <p:stCondLst>
-                                    <p:cond delay="0"/>
-                                  </p:stCondLst>
-                                  <p:childTnLst>
-                                    <p:set>
-                                      <p:cBhvr>
-                                        <p:cTn id="20" dur="1" fill="hold">
-                                          <p:stCondLst>
-                                            <p:cond delay="0"/>
-                                          </p:stCondLst>
-                                        </p:cTn>
-                                        <p:tgtEl>
-                                          <p:spTgt spid="4">
-                                            <p:txEl>
-                                              <p:pRg st="3" end="3"/>
-                                            </p:txEl>
-                                          </p:spTgt>
-                                        </p:tgtEl>
-                                        <p:attrNameLst>
-                                          <p:attrName>style.visibility</p:attrName>
-                                        </p:attrNameLst>
-                                      </p:cBhvr>
-                                      <p:to>
-                                        <p:strVal val="visible"/>
-                                      </p:to>
-                                    </p:set>
-                                  </p:childTnLst>
-                                </p:cTn>
-                              </p:par>
-                            </p:childTnLst>
-                          </p:cTn>
-                        </p:par>
-                      </p:childTnLst>
-                    </p:cTn>
-                  </p:par>
-                  <p:par>
-                    <p:cTn id="21" fill="hold">
-                      <p:stCondLst>
-                        <p:cond delay="indefinite"/>
-                      </p:stCondLst>
-                      <p:childTnLst>
-                        <p:par>
-                          <p:cTn id="22" fill="hold">
-                            <p:stCondLst>
-                              <p:cond delay="0"/>
-                            </p:stCondLst>
-                            <p:childTnLst>
-                              <p:par>
-                                <p:cTn id="23" presetID="1" presetClass="entr" presetSubtype="0" fill="hold" nodeType="clickEffect">
-                                  <p:stCondLst>
-                                    <p:cond delay="0"/>
-                                  </p:stCondLst>
-                                  <p:childTnLst>
-                                    <p:set>
-                                      <p:cBhvr>
-                                        <p:cTn id="24" dur="1" fill="hold">
-                                          <p:stCondLst>
-                                            <p:cond delay="0"/>
-                                          </p:stCondLst>
-                                        </p:cTn>
-                                        <p:tgtEl>
-                                          <p:spTgt spid="4">
-                                            <p:txEl>
-                                              <p:pRg st="4" end="4"/>
-                                            </p:txEl>
-                                          </p:spTgt>
-                                        </p:tgtEl>
-                                        <p:attrNameLst>
-                                          <p:attrName>style.visibility</p:attrName>
-                                        </p:attrNameLst>
-                                      </p:cBhvr>
-                                      <p:to>
-                                        <p:strVal val="visible"/>
-                                      </p:to>
-                                    </p:set>
-                                  </p:childTnLst>
-                                </p:cTn>
-                              </p:par>
-                            </p:childTnLst>
-                          </p:cTn>
-                        </p:par>
-                      </p:childTnLst>
-                    </p:cTn>
-                  </p:par>
-                  <p:par>
-                    <p:cTn id="25" fill="hold">
-                      <p:stCondLst>
-                        <p:cond delay="indefinite"/>
-                      </p:stCondLst>
-                      <p:childTnLst>
-                        <p:par>
-                          <p:cTn id="26" fill="hold">
-                            <p:stCondLst>
-                              <p:cond delay="0"/>
-                            </p:stCondLst>
-                            <p:childTnLst>
-                              <p:par>
-                                <p:cTn id="27" presetID="1" presetClass="entr" presetSubtype="0" fill="hold" nodeType="clickEffect">
-                                  <p:stCondLst>
-                                    <p:cond delay="0"/>
-                                  </p:stCondLst>
-                                  <p:childTnLst>
-                                    <p:set>
-                                      <p:cBhvr>
-                                        <p:cTn id="28" dur="1" fill="hold">
-                                          <p:stCondLst>
-                                            <p:cond delay="0"/>
-                                          </p:stCondLst>
-                                        </p:cTn>
-                                        <p:tgtEl>
-                                          <p:spTgt spid="4">
-                                            <p:txEl>
-                                              <p:pRg st="5" end="5"/>
-                                            </p:txEl>
-                                          </p:spTgt>
-                                        </p:tgtEl>
-                                        <p:attrNameLst>
-                                          <p:attrName>style.visibility</p:attrName>
-                                        </p:attrNameLst>
-                                      </p:cBhvr>
-                                      <p:to>
-                                        <p:strVal val="visible"/>
-                                      </p:to>
-                                    </p:set>
-                                  </p:childTnLst>
-                                </p:cTn>
-                              </p:par>
-                            </p:childTnLst>
-                          </p:cTn>
-                        </p:par>
-                      </p:childTnLst>
-                    </p:cTn>
-                  </p:par>
-                  <p:par>
-                    <p:cTn id="29" fill="hold">
-                      <p:stCondLst>
-                        <p:cond delay="indefinite"/>
-                      </p:stCondLst>
-                      <p:childTnLst>
-                        <p:par>
-                          <p:cTn id="30" fill="hold">
-                            <p:stCondLst>
-                              <p:cond delay="0"/>
-                            </p:stCondLst>
-                            <p:childTnLst>
-                              <p:par>
-                                <p:cTn id="31" presetID="1" presetClass="entr" presetSubtype="0" fill="hold" nodeType="clickEffect">
-                                  <p:stCondLst>
-                                    <p:cond delay="0"/>
-                                  </p:stCondLst>
-                                  <p:childTnLst>
-                                    <p:set>
-                                      <p:cBhvr>
-                                        <p:cTn id="32" dur="1" fill="hold">
-                                          <p:stCondLst>
-                                            <p:cond delay="0"/>
-                                          </p:stCondLst>
-                                        </p:cTn>
-                                        <p:tgtEl>
-                                          <p:spTgt spid="4">
-                                            <p:txEl>
-                                              <p:pRg st="6" end="6"/>
-                                            </p:txEl>
-                                          </p:spTgt>
-                                        </p:tgtEl>
-                                        <p:attrNameLst>
-                                          <p:attrName>style.visibility</p:attrName>
-                                        </p:attrNameLst>
-                                      </p:cBhvr>
-                                      <p:to>
-                                        <p:strVal val="visible"/>
-                                      </p:to>
-                                    </p:set>
-                                  </p:childTnLst>
-                                </p:cTn>
-                              </p:par>
-                            </p:childTnLst>
-                          </p:cTn>
-                        </p:par>
-                      </p:childTnLst>
-                    </p:cTn>
-                  </p:par>
-                  <p:par>
-                    <p:cTn id="33" fill="hold">
-                      <p:stCondLst>
-                        <p:cond delay="indefinite"/>
-                      </p:stCondLst>
-                      <p:childTnLst>
-                        <p:par>
-                          <p:cTn id="34" fill="hold">
-                            <p:stCondLst>
-                              <p:cond delay="0"/>
-                            </p:stCondLst>
-                            <p:childTnLst>
-                              <p:par>
-                                <p:cTn id="35" presetID="1" presetClass="entr" presetSubtype="0" fill="hold" nodeType="clickEffect">
-                                  <p:stCondLst>
-                                    <p:cond delay="0"/>
-                                  </p:stCondLst>
-                                  <p:childTnLst>
-                                    <p:set>
-                                      <p:cBhvr>
-                                        <p:cTn id="36" dur="1" fill="hold">
-                                          <p:stCondLst>
-                                            <p:cond delay="0"/>
-                                          </p:stCondLst>
-                                        </p:cTn>
-                                        <p:tgtEl>
-                                          <p:spTgt spid="4">
-                                            <p:txEl>
-                                              <p:pRg st="7" end="7"/>
-                                            </p:txEl>
-                                          </p:spTgt>
-                                        </p:tgtEl>
-                                        <p:attrNameLst>
-                                          <p:attrName>style.visibility</p:attrName>
-                                        </p:attrNameLst>
-                                      </p:cBhvr>
-                                      <p:to>
-                                        <p:strVal val="visible"/>
-                                      </p:to>
-                                    </p:set>
-                                  </p:childTnLst>
-                                </p:cTn>
-                              </p:par>
-                            </p:childTnLst>
-                          </p:cTn>
-                        </p:par>
-                      </p:childTnLst>
-                    </p:cTn>
-                  </p:par>
-                  <p:par>
-                    <p:cTn id="37" fill="hold">
-                      <p:stCondLst>
-                        <p:cond delay="indefinite"/>
-                      </p:stCondLst>
-                      <p:childTnLst>
-                        <p:par>
-                          <p:cTn id="38" fill="hold">
-                            <p:stCondLst>
-                              <p:cond delay="0"/>
-                            </p:stCondLst>
-                            <p:childTnLst>
-                              <p:par>
-                                <p:cTn id="39" presetID="1" presetClass="entr" presetSubtype="0" fill="hold" nodeType="clickEffect">
-                                  <p:stCondLst>
-                                    <p:cond delay="0"/>
-                                  </p:stCondLst>
-                                  <p:childTnLst>
-                                    <p:set>
-                                      <p:cBhvr>
-                                        <p:cTn id="40" dur="1" fill="hold">
-                                          <p:stCondLst>
-                                            <p:cond delay="0"/>
-                                          </p:stCondLst>
-                                        </p:cTn>
-                                        <p:tgtEl>
-                                          <p:spTgt spid="4">
-                                            <p:txEl>
-                                              <p:pRg st="8" end="8"/>
-                                            </p:txEl>
-                                          </p:spTgt>
-                                        </p:tgtEl>
-                                        <p:attrNameLst>
-                                          <p:attrName>style.visibility</p:attrName>
-                                        </p:attrNameLst>
-                                      </p:cBhvr>
-                                      <p:to>
-                                        <p:strVal val="visible"/>
-                                      </p:to>
-                                    </p:set>
-                                  </p:childTnLst>
-                                </p:cTn>
-                              </p:par>
-                            </p:childTnLst>
-                          </p:cTn>
-                        </p:par>
-                      </p:childTnLst>
-                    </p:cTn>
-                  </p:par>
-                  <p:par>
-                    <p:cTn id="41" fill="hold">
-                      <p:stCondLst>
-                        <p:cond delay="indefinite"/>
-                      </p:stCondLst>
-                      <p:childTnLst>
-                        <p:par>
-                          <p:cTn id="42" fill="hold">
-                            <p:stCondLst>
-                              <p:cond delay="0"/>
-                            </p:stCondLst>
-                            <p:childTnLst>
-                              <p:par>
-                                <p:cTn id="43" presetID="1" presetClass="entr" presetSubtype="0" fill="hold" nodeType="clickEffect">
-                                  <p:stCondLst>
-                                    <p:cond delay="0"/>
-                                  </p:stCondLst>
-                                  <p:childTnLst>
-                                    <p:set>
-                                      <p:cBhvr>
-                                        <p:cTn id="44" dur="1" fill="hold">
-                                          <p:stCondLst>
-                                            <p:cond delay="0"/>
-                                          </p:stCondLst>
-                                        </p:cTn>
-                                        <p:tgtEl>
-                                          <p:spTgt spid="4">
-                                            <p:txEl>
-                                              <p:pRg st="9" end="9"/>
-                                            </p:txEl>
-                                          </p:spTgt>
-                                        </p:tgtEl>
-                                        <p:attrNameLst>
-                                          <p:attrName>style.visibility</p:attrName>
-                                        </p:attrNameLst>
-                                      </p:cBhvr>
-                                      <p:to>
-                                        <p:strVal val="visible"/>
-                                      </p:to>
-                                    </p:set>
-                                  </p:childTnLst>
-                                </p:cTn>
-                              </p:par>
-                            </p:childTnLst>
-                          </p:cTn>
-                        </p:par>
-                      </p:childTnLst>
-                    </p:cTn>
-                  </p:par>
-                  <p:par>
-                    <p:cTn id="45" fill="hold">
-                      <p:stCondLst>
-                        <p:cond delay="indefinite"/>
-                      </p:stCondLst>
-                      <p:childTnLst>
-                        <p:par>
-                          <p:cTn id="46" fill="hold">
-                            <p:stCondLst>
-                              <p:cond delay="0"/>
-                            </p:stCondLst>
-                            <p:childTnLst>
-                              <p:par>
-                                <p:cTn id="47" presetID="1" presetClass="entr" presetSubtype="0" fill="hold" nodeType="clickEffect">
-                                  <p:stCondLst>
-                                    <p:cond delay="0"/>
-                                  </p:stCondLst>
-                                  <p:childTnLst>
-                                    <p:set>
-                                      <p:cBhvr>
-                                        <p:cTn id="48" dur="1" fill="hold">
-                                          <p:stCondLst>
-                                            <p:cond delay="0"/>
-                                          </p:stCondLst>
-                                        </p:cTn>
-                                        <p:tgtEl>
-                                          <p:spTgt spid="4">
-                                            <p:txEl>
-                                              <p:pRg st="10" end="10"/>
-                                            </p:txEl>
-                                          </p:spTgt>
-                                        </p:tgtEl>
-                                        <p:attrNameLst>
-                                          <p:attrName>style.visibility</p:attrName>
-                                        </p:attrNameLst>
-                                      </p:cBhvr>
-                                      <p:to>
-                                        <p:strVal val="visible"/>
-                                      </p:to>
-                                    </p:set>
-                                  </p:childTnLst>
-                                </p:cTn>
-                              </p:par>
-                            </p:childTnLst>
-                          </p:cTn>
-                        </p:par>
-                      </p:childTnLst>
-                    </p:cTn>
-                  </p:par>
-                  <p:par>
-                    <p:cTn id="49" fill="hold">
-                      <p:stCondLst>
-                        <p:cond delay="indefinite"/>
-                      </p:stCondLst>
-                      <p:childTnLst>
-                        <p:par>
-                          <p:cTn id="50" fill="hold">
-                            <p:stCondLst>
-                              <p:cond delay="0"/>
-                            </p:stCondLst>
-                            <p:childTnLst>
-                              <p:par>
-                                <p:cTn id="51" presetID="1" presetClass="entr" presetSubtype="0" fill="hold" nodeType="clickEffect">
-                                  <p:stCondLst>
-                                    <p:cond delay="0"/>
-                                  </p:stCondLst>
-                                  <p:childTnLst>
-                                    <p:set>
-                                      <p:cBhvr>
-                                        <p:cTn id="52" dur="1" fill="hold">
-                                          <p:stCondLst>
-                                            <p:cond delay="0"/>
-                                          </p:stCondLst>
-                                        </p:cTn>
-                                        <p:tgtEl>
-                                          <p:spTgt spid="4">
-                                            <p:txEl>
-                                              <p:pRg st="11" end="11"/>
-                                            </p:txEl>
-                                          </p:spTgt>
                                         </p:tgtEl>
                                         <p:attrNameLst>
                                           <p:attrName>style.visibility</p:attrName>
